--- a/sessions/session-05/slides.pptx
+++ b/sessions/session-05/slides.pptx
@@ -3887,7 +3887,7 @@
         </p:nvSpPr>
         <p:spPr>
           <a:xfrm>
-            <a:off x="355550" y="3552974"/>
+            <a:off x="355550" y="3919240"/>
             <a:ext cx="8601557" cy="325636"/>
           </a:xfrm>
           <a:prstGeom prst="rect">
@@ -3950,6 +3950,656 @@
           </a:p>
         </p:txBody>
       </p:sp>
+      <p:graphicFrame>
+        <p:nvGraphicFramePr>
+          <p:cNvPr id="12" name="Table 0"/>
+          <p:cNvGraphicFramePr>
+            <a:graphicFrameLocks noGrp="1"/>
+          </p:cNvGraphicFramePr>
+          <p:nvPr>
+            <p:extLst>
+              <p:ext uri="{D42A27DB-BD31-4B8C-83A1-F6EECF244321}">
+                <p14:modId xmlns:p14="http://schemas.microsoft.com/office/powerpoint/2010/main" val="1579011935"/>
+              </p:ext>
+            </p:extLst>
+          </p:nvPr>
+        </p:nvGraphicFramePr>
+        <p:xfrm>
+          <a:off x="355550" y="1569839"/>
+          <a:ext cx="8382000" cy="2286000"/>
+        </p:xfrm>
+        <a:graphic>
+          <a:graphicData uri="http://schemas.openxmlformats.org/drawingml/2006/table">
+            <a:tbl>
+              <a:tblPr/>
+              <a:tblGrid>
+                <a:gridCol w="2286000"/>
+                <a:gridCol w="5943600"/>
+              </a:tblGrid>
+              <a:tr h="457200">
+                <a:tc>
+                  <a:txBody>
+                    <a:bodyPr/>
+                    <a:lstStyle/>
+                    <a:p>
+                      <a:pPr algn="l" indent="0" marL="0">
+                        <a:buNone/>
+                      </a:pPr>
+                      <a:r>
+                        <a:rPr lang="en-US" sz="1100" b="1" dirty="0">
+                          <a:solidFill>
+                            <a:srgbClr val="FFFFFF"/>
+                          </a:solidFill>
+                        </a:rPr>
+                        <a:t>Situation</a:t>
+                      </a:r>
+                      <a:endParaRPr lang="en-US" sz="1100" dirty="0"/>
+                    </a:p>
+                  </a:txBody>
+                  <a:tcPr marL="91440" marR="91440" marT="45720" marB="45720" anchor="ctr">
+                    <a:lnL w="12700" cap="flat" cmpd="sng" algn="ctr">
+                      <a:solidFill>
+                        <a:srgbClr val="CCCCCC"/>
+                      </a:solidFill>
+                      <a:prstDash val="solid"/>
+                      <a:round/>
+                      <a:headEnd type="none" w="med" len="med"/>
+                      <a:tailEnd type="none" w="med" len="med"/>
+                    </a:lnL>
+                    <a:lnR w="12700" cap="flat" cmpd="sng" algn="ctr">
+                      <a:solidFill>
+                        <a:srgbClr val="CCCCCC"/>
+                      </a:solidFill>
+                      <a:prstDash val="solid"/>
+                      <a:round/>
+                      <a:headEnd type="none" w="med" len="med"/>
+                      <a:tailEnd type="none" w="med" len="med"/>
+                    </a:lnR>
+                    <a:lnT w="12700" cap="flat" cmpd="sng" algn="ctr">
+                      <a:solidFill>
+                        <a:srgbClr val="CCCCCC"/>
+                      </a:solidFill>
+                      <a:prstDash val="solid"/>
+                      <a:round/>
+                      <a:headEnd type="none" w="med" len="med"/>
+                      <a:tailEnd type="none" w="med" len="med"/>
+                    </a:lnT>
+                    <a:lnB w="12700" cap="flat" cmpd="sng" algn="ctr">
+                      <a:solidFill>
+                        <a:srgbClr val="CCCCCC"/>
+                      </a:solidFill>
+                      <a:prstDash val="solid"/>
+                      <a:round/>
+                      <a:headEnd type="none" w="med" len="med"/>
+                      <a:tailEnd type="none" w="med" len="med"/>
+                    </a:lnB>
+                    <a:solidFill>
+                      <a:srgbClr val="1E5128"/>
+                    </a:solidFill>
+                  </a:tcPr>
+                </a:tc>
+                <a:tc>
+                  <a:txBody>
+                    <a:bodyPr/>
+                    <a:lstStyle/>
+                    <a:p>
+                      <a:pPr algn="l" indent="0" marL="0">
+                        <a:buNone/>
+                      </a:pPr>
+                      <a:r>
+                        <a:rPr lang="en-US" sz="1100" b="1" dirty="0">
+                          <a:solidFill>
+                            <a:srgbClr val="FFFFFF"/>
+                          </a:solidFill>
+                        </a:rPr>
+                        <a:t>@mention Comment</a:t>
+                      </a:r>
+                      <a:endParaRPr lang="en-US" sz="1100" dirty="0"/>
+                    </a:p>
+                  </a:txBody>
+                  <a:tcPr marL="91440" marR="91440" marT="45720" marB="45720" anchor="ctr">
+                    <a:lnL w="12700" cap="flat" cmpd="sng" algn="ctr">
+                      <a:solidFill>
+                        <a:srgbClr val="CCCCCC"/>
+                      </a:solidFill>
+                      <a:prstDash val="solid"/>
+                      <a:round/>
+                      <a:headEnd type="none" w="med" len="med"/>
+                      <a:tailEnd type="none" w="med" len="med"/>
+                    </a:lnL>
+                    <a:lnR w="12700" cap="flat" cmpd="sng" algn="ctr">
+                      <a:solidFill>
+                        <a:srgbClr val="CCCCCC"/>
+                      </a:solidFill>
+                      <a:prstDash val="solid"/>
+                      <a:round/>
+                      <a:headEnd type="none" w="med" len="med"/>
+                      <a:tailEnd type="none" w="med" len="med"/>
+                    </a:lnR>
+                    <a:lnT w="12700" cap="flat" cmpd="sng" algn="ctr">
+                      <a:solidFill>
+                        <a:srgbClr val="CCCCCC"/>
+                      </a:solidFill>
+                      <a:prstDash val="solid"/>
+                      <a:round/>
+                      <a:headEnd type="none" w="med" len="med"/>
+                      <a:tailEnd type="none" w="med" len="med"/>
+                    </a:lnT>
+                    <a:lnB w="12700" cap="flat" cmpd="sng" algn="ctr">
+                      <a:solidFill>
+                        <a:srgbClr val="CCCCCC"/>
+                      </a:solidFill>
+                      <a:prstDash val="solid"/>
+                      <a:round/>
+                      <a:headEnd type="none" w="med" len="med"/>
+                      <a:tailEnd type="none" w="med" len="med"/>
+                    </a:lnB>
+                    <a:solidFill>
+                      <a:srgbClr val="1E5128"/>
+                    </a:solidFill>
+                  </a:tcPr>
+                </a:tc>
+              </a:tr>
+              <a:tr h="457200">
+                <a:tc>
+                  <a:txBody>
+                    <a:bodyPr/>
+                    <a:lstStyle/>
+                    <a:p>
+                      <a:pPr algn="l" indent="0" marL="0">
+                        <a:buNone/>
+                      </a:pPr>
+                      <a:r>
+                        <a:rPr lang="en-US" sz="1100" dirty="0">
+                          <a:solidFill>
+                            <a:srgbClr val="000000"/>
+                          </a:solidFill>
+                        </a:rPr>
+                        <a:t>Irrigation check</a:t>
+                      </a:r>
+                      <a:endParaRPr lang="en-US" sz="1100" dirty="0"/>
+                    </a:p>
+                  </a:txBody>
+                  <a:tcPr marL="91440" marR="91440" marT="45720" marB="45720" anchor="ctr">
+                    <a:lnL w="12700" cap="flat" cmpd="sng" algn="ctr">
+                      <a:solidFill>
+                        <a:srgbClr val="CCCCCC"/>
+                      </a:solidFill>
+                      <a:prstDash val="solid"/>
+                      <a:round/>
+                      <a:headEnd type="none" w="med" len="med"/>
+                      <a:tailEnd type="none" w="med" len="med"/>
+                    </a:lnL>
+                    <a:lnR w="12700" cap="flat" cmpd="sng" algn="ctr">
+                      <a:solidFill>
+                        <a:srgbClr val="CCCCCC"/>
+                      </a:solidFill>
+                      <a:prstDash val="solid"/>
+                      <a:round/>
+                      <a:headEnd type="none" w="med" len="med"/>
+                      <a:tailEnd type="none" w="med" len="med"/>
+                    </a:lnR>
+                    <a:lnT w="12700" cap="flat" cmpd="sng" algn="ctr">
+                      <a:solidFill>
+                        <a:srgbClr val="CCCCCC"/>
+                      </a:solidFill>
+                      <a:prstDash val="solid"/>
+                      <a:round/>
+                      <a:headEnd type="none" w="med" len="med"/>
+                      <a:tailEnd type="none" w="med" len="med"/>
+                    </a:lnT>
+                    <a:lnB w="12700" cap="flat" cmpd="sng" algn="ctr">
+                      <a:solidFill>
+                        <a:srgbClr val="CCCCCC"/>
+                      </a:solidFill>
+                      <a:prstDash val="solid"/>
+                      <a:round/>
+                      <a:headEnd type="none" w="med" len="med"/>
+                      <a:tailEnd type="none" w="med" len="med"/>
+                    </a:lnB>
+                    <a:solidFill>
+                      <a:srgbClr val="F4F1DE"/>
+                    </a:solidFill>
+                  </a:tcPr>
+                </a:tc>
+                <a:tc>
+                  <a:txBody>
+                    <a:bodyPr/>
+                    <a:lstStyle/>
+                    <a:p>
+                      <a:pPr algn="l" indent="0" marL="0">
+                        <a:buNone/>
+                      </a:pPr>
+                      <a:r>
+                        <a:rPr lang="en-US" sz="1100" dirty="0">
+                          <a:solidFill>
+                            <a:srgbClr val="000000"/>
+                          </a:solidFill>
+                        </a:rPr>
+                        <a:t>"@tom Pump in Field 2 making noise. Check before Friday?"</a:t>
+                      </a:r>
+                      <a:endParaRPr lang="en-US" sz="1100" dirty="0"/>
+                    </a:p>
+                  </a:txBody>
+                  <a:tcPr marL="91440" marR="91440" marT="45720" marB="45720" anchor="ctr">
+                    <a:lnL w="12700" cap="flat" cmpd="sng" algn="ctr">
+                      <a:solidFill>
+                        <a:srgbClr val="CCCCCC"/>
+                      </a:solidFill>
+                      <a:prstDash val="solid"/>
+                      <a:round/>
+                      <a:headEnd type="none" w="med" len="med"/>
+                      <a:tailEnd type="none" w="med" len="med"/>
+                    </a:lnL>
+                    <a:lnR w="12700" cap="flat" cmpd="sng" algn="ctr">
+                      <a:solidFill>
+                        <a:srgbClr val="CCCCCC"/>
+                      </a:solidFill>
+                      <a:prstDash val="solid"/>
+                      <a:round/>
+                      <a:headEnd type="none" w="med" len="med"/>
+                      <a:tailEnd type="none" w="med" len="med"/>
+                    </a:lnR>
+                    <a:lnT w="12700" cap="flat" cmpd="sng" algn="ctr">
+                      <a:solidFill>
+                        <a:srgbClr val="CCCCCC"/>
+                      </a:solidFill>
+                      <a:prstDash val="solid"/>
+                      <a:round/>
+                      <a:headEnd type="none" w="med" len="med"/>
+                      <a:tailEnd type="none" w="med" len="med"/>
+                    </a:lnT>
+                    <a:lnB w="12700" cap="flat" cmpd="sng" algn="ctr">
+                      <a:solidFill>
+                        <a:srgbClr val="CCCCCC"/>
+                      </a:solidFill>
+                      <a:prstDash val="solid"/>
+                      <a:round/>
+                      <a:headEnd type="none" w="med" len="med"/>
+                      <a:tailEnd type="none" w="med" len="med"/>
+                    </a:lnB>
+                    <a:solidFill>
+                      <a:srgbClr val="F4F1DE"/>
+                    </a:solidFill>
+                  </a:tcPr>
+                </a:tc>
+              </a:tr>
+              <a:tr h="457200">
+                <a:tc>
+                  <a:txBody>
+                    <a:bodyPr/>
+                    <a:lstStyle/>
+                    <a:p>
+                      <a:pPr algn="l" indent="0" marL="0">
+                        <a:buNone/>
+                      </a:pPr>
+                      <a:r>
+                        <a:rPr lang="en-US" sz="1100" dirty="0">
+                          <a:solidFill>
+                            <a:srgbClr val="000000"/>
+                          </a:solidFill>
+                        </a:rPr>
+                        <a:t>Vet visit</a:t>
+                      </a:r>
+                      <a:endParaRPr lang="en-US" sz="1100" dirty="0"/>
+                    </a:p>
+                  </a:txBody>
+                  <a:tcPr marL="91440" marR="91440" marT="45720" marB="45720" anchor="ctr">
+                    <a:lnL w="12700" cap="flat" cmpd="sng" algn="ctr">
+                      <a:solidFill>
+                        <a:srgbClr val="CCCCCC"/>
+                      </a:solidFill>
+                      <a:prstDash val="solid"/>
+                      <a:round/>
+                      <a:headEnd type="none" w="med" len="med"/>
+                      <a:tailEnd type="none" w="med" len="med"/>
+                    </a:lnL>
+                    <a:lnR w="12700" cap="flat" cmpd="sng" algn="ctr">
+                      <a:solidFill>
+                        <a:srgbClr val="CCCCCC"/>
+                      </a:solidFill>
+                      <a:prstDash val="solid"/>
+                      <a:round/>
+                      <a:headEnd type="none" w="med" len="med"/>
+                      <a:tailEnd type="none" w="med" len="med"/>
+                    </a:lnR>
+                    <a:lnT w="12700" cap="flat" cmpd="sng" algn="ctr">
+                      <a:solidFill>
+                        <a:srgbClr val="CCCCCC"/>
+                      </a:solidFill>
+                      <a:prstDash val="solid"/>
+                      <a:round/>
+                      <a:headEnd type="none" w="med" len="med"/>
+                      <a:tailEnd type="none" w="med" len="med"/>
+                    </a:lnT>
+                    <a:lnB w="12700" cap="flat" cmpd="sng" algn="ctr">
+                      <a:solidFill>
+                        <a:srgbClr val="CCCCCC"/>
+                      </a:solidFill>
+                      <a:prstDash val="solid"/>
+                      <a:round/>
+                      <a:headEnd type="none" w="med" len="med"/>
+                      <a:tailEnd type="none" w="med" len="med"/>
+                    </a:lnB>
+                    <a:solidFill>
+                      <a:srgbClr val="FFFFFF"/>
+                    </a:solidFill>
+                  </a:tcPr>
+                </a:tc>
+                <a:tc>
+                  <a:txBody>
+                    <a:bodyPr/>
+                    <a:lstStyle/>
+                    <a:p>
+                      <a:pPr algn="l" indent="0" marL="0">
+                        <a:buNone/>
+                      </a:pPr>
+                      <a:r>
+                        <a:rPr lang="en-US" sz="1100" dirty="0">
+                          <a:solidFill>
+                            <a:srgbClr val="000000"/>
+                          </a:solidFill>
+                        </a:rPr>
+                        <a:t>"@maria Vet confirmed Tuesday 9am, Herd B vaccinations."</a:t>
+                      </a:r>
+                      <a:endParaRPr lang="en-US" sz="1100" dirty="0"/>
+                    </a:p>
+                  </a:txBody>
+                  <a:tcPr marL="91440" marR="91440" marT="45720" marB="45720" anchor="ctr">
+                    <a:lnL w="12700" cap="flat" cmpd="sng" algn="ctr">
+                      <a:solidFill>
+                        <a:srgbClr val="CCCCCC"/>
+                      </a:solidFill>
+                      <a:prstDash val="solid"/>
+                      <a:round/>
+                      <a:headEnd type="none" w="med" len="med"/>
+                      <a:tailEnd type="none" w="med" len="med"/>
+                    </a:lnL>
+                    <a:lnR w="12700" cap="flat" cmpd="sng" algn="ctr">
+                      <a:solidFill>
+                        <a:srgbClr val="CCCCCC"/>
+                      </a:solidFill>
+                      <a:prstDash val="solid"/>
+                      <a:round/>
+                      <a:headEnd type="none" w="med" len="med"/>
+                      <a:tailEnd type="none" w="med" len="med"/>
+                    </a:lnR>
+                    <a:lnT w="12700" cap="flat" cmpd="sng" algn="ctr">
+                      <a:solidFill>
+                        <a:srgbClr val="CCCCCC"/>
+                      </a:solidFill>
+                      <a:prstDash val="solid"/>
+                      <a:round/>
+                      <a:headEnd type="none" w="med" len="med"/>
+                      <a:tailEnd type="none" w="med" len="med"/>
+                    </a:lnT>
+                    <a:lnB w="12700" cap="flat" cmpd="sng" algn="ctr">
+                      <a:solidFill>
+                        <a:srgbClr val="CCCCCC"/>
+                      </a:solidFill>
+                      <a:prstDash val="solid"/>
+                      <a:round/>
+                      <a:headEnd type="none" w="med" len="med"/>
+                      <a:tailEnd type="none" w="med" len="med"/>
+                    </a:lnB>
+                    <a:solidFill>
+                      <a:srgbClr val="FFFFFF"/>
+                    </a:solidFill>
+                  </a:tcPr>
+                </a:tc>
+              </a:tr>
+              <a:tr h="457200">
+                <a:tc>
+                  <a:txBody>
+                    <a:bodyPr/>
+                    <a:lstStyle/>
+                    <a:p>
+                      <a:pPr algn="l" indent="0" marL="0">
+                        <a:buNone/>
+                      </a:pPr>
+                      <a:r>
+                        <a:rPr lang="en-US" sz="1100" dirty="0">
+                          <a:solidFill>
+                            <a:srgbClr val="000000"/>
+                          </a:solidFill>
+                        </a:rPr>
+                        <a:t>Equipment order</a:t>
+                      </a:r>
+                      <a:endParaRPr lang="en-US" sz="1100" dirty="0"/>
+                    </a:p>
+                  </a:txBody>
+                  <a:tcPr marL="91440" marR="91440" marT="45720" marB="45720" anchor="ctr">
+                    <a:lnL w="12700" cap="flat" cmpd="sng" algn="ctr">
+                      <a:solidFill>
+                        <a:srgbClr val="CCCCCC"/>
+                      </a:solidFill>
+                      <a:prstDash val="solid"/>
+                      <a:round/>
+                      <a:headEnd type="none" w="med" len="med"/>
+                      <a:tailEnd type="none" w="med" len="med"/>
+                    </a:lnL>
+                    <a:lnR w="12700" cap="flat" cmpd="sng" algn="ctr">
+                      <a:solidFill>
+                        <a:srgbClr val="CCCCCC"/>
+                      </a:solidFill>
+                      <a:prstDash val="solid"/>
+                      <a:round/>
+                      <a:headEnd type="none" w="med" len="med"/>
+                      <a:tailEnd type="none" w="med" len="med"/>
+                    </a:lnR>
+                    <a:lnT w="12700" cap="flat" cmpd="sng" algn="ctr">
+                      <a:solidFill>
+                        <a:srgbClr val="CCCCCC"/>
+                      </a:solidFill>
+                      <a:prstDash val="solid"/>
+                      <a:round/>
+                      <a:headEnd type="none" w="med" len="med"/>
+                      <a:tailEnd type="none" w="med" len="med"/>
+                    </a:lnT>
+                    <a:lnB w="12700" cap="flat" cmpd="sng" algn="ctr">
+                      <a:solidFill>
+                        <a:srgbClr val="CCCCCC"/>
+                      </a:solidFill>
+                      <a:prstDash val="solid"/>
+                      <a:round/>
+                      <a:headEnd type="none" w="med" len="med"/>
+                      <a:tailEnd type="none" w="med" len="med"/>
+                    </a:lnB>
+                    <a:solidFill>
+                      <a:srgbClr val="F4F1DE"/>
+                    </a:solidFill>
+                  </a:tcPr>
+                </a:tc>
+                <a:tc>
+                  <a:txBody>
+                    <a:bodyPr/>
+                    <a:lstStyle/>
+                    <a:p>
+                      <a:pPr algn="l" indent="0" marL="0">
+                        <a:buNone/>
+                      </a:pPr>
+                      <a:r>
+                        <a:rPr lang="en-US" sz="1100" dirty="0">
+                          <a:solidFill>
+                            <a:srgbClr val="000000"/>
+                          </a:solidFill>
+                        </a:rPr>
+                        <a:t>"@allen Replacement nozzle ordered. Arrives Thursday."</a:t>
+                      </a:r>
+                      <a:endParaRPr lang="en-US" sz="1100" dirty="0"/>
+                    </a:p>
+                  </a:txBody>
+                  <a:tcPr marL="91440" marR="91440" marT="45720" marB="45720" anchor="ctr">
+                    <a:lnL w="12700" cap="flat" cmpd="sng" algn="ctr">
+                      <a:solidFill>
+                        <a:srgbClr val="CCCCCC"/>
+                      </a:solidFill>
+                      <a:prstDash val="solid"/>
+                      <a:round/>
+                      <a:headEnd type="none" w="med" len="med"/>
+                      <a:tailEnd type="none" w="med" len="med"/>
+                    </a:lnL>
+                    <a:lnR w="12700" cap="flat" cmpd="sng" algn="ctr">
+                      <a:solidFill>
+                        <a:srgbClr val="CCCCCC"/>
+                      </a:solidFill>
+                      <a:prstDash val="solid"/>
+                      <a:round/>
+                      <a:headEnd type="none" w="med" len="med"/>
+                      <a:tailEnd type="none" w="med" len="med"/>
+                    </a:lnR>
+                    <a:lnT w="12700" cap="flat" cmpd="sng" algn="ctr">
+                      <a:solidFill>
+                        <a:srgbClr val="CCCCCC"/>
+                      </a:solidFill>
+                      <a:prstDash val="solid"/>
+                      <a:round/>
+                      <a:headEnd type="none" w="med" len="med"/>
+                      <a:tailEnd type="none" w="med" len="med"/>
+                    </a:lnT>
+                    <a:lnB w="12700" cap="flat" cmpd="sng" algn="ctr">
+                      <a:solidFill>
+                        <a:srgbClr val="CCCCCC"/>
+                      </a:solidFill>
+                      <a:prstDash val="solid"/>
+                      <a:round/>
+                      <a:headEnd type="none" w="med" len="med"/>
+                      <a:tailEnd type="none" w="med" len="med"/>
+                    </a:lnB>
+                    <a:solidFill>
+                      <a:srgbClr val="F4F1DE"/>
+                    </a:solidFill>
+                  </a:tcPr>
+                </a:tc>
+              </a:tr>
+              <a:tr h="457200">
+                <a:tc>
+                  <a:txBody>
+                    <a:bodyPr/>
+                    <a:lstStyle/>
+                    <a:p>
+                      <a:pPr algn="l" indent="0" marL="0">
+                        <a:buNone/>
+                      </a:pPr>
+                      <a:r>
+                        <a:rPr lang="en-US" sz="1100" dirty="0">
+                          <a:solidFill>
+                            <a:srgbClr val="000000"/>
+                          </a:solidFill>
+                        </a:rPr>
+                        <a:t>Grant deadline</a:t>
+                      </a:r>
+                      <a:endParaRPr lang="en-US" sz="1100" dirty="0"/>
+                    </a:p>
+                  </a:txBody>
+                  <a:tcPr marL="91440" marR="91440" marT="45720" marB="45720" anchor="ctr">
+                    <a:lnL w="12700" cap="flat" cmpd="sng" algn="ctr">
+                      <a:solidFill>
+                        <a:srgbClr val="CCCCCC"/>
+                      </a:solidFill>
+                      <a:prstDash val="solid"/>
+                      <a:round/>
+                      <a:headEnd type="none" w="med" len="med"/>
+                      <a:tailEnd type="none" w="med" len="med"/>
+                    </a:lnL>
+                    <a:lnR w="12700" cap="flat" cmpd="sng" algn="ctr">
+                      <a:solidFill>
+                        <a:srgbClr val="CCCCCC"/>
+                      </a:solidFill>
+                      <a:prstDash val="solid"/>
+                      <a:round/>
+                      <a:headEnd type="none" w="med" len="med"/>
+                      <a:tailEnd type="none" w="med" len="med"/>
+                    </a:lnR>
+                    <a:lnT w="12700" cap="flat" cmpd="sng" algn="ctr">
+                      <a:solidFill>
+                        <a:srgbClr val="CCCCCC"/>
+                      </a:solidFill>
+                      <a:prstDash val="solid"/>
+                      <a:round/>
+                      <a:headEnd type="none" w="med" len="med"/>
+                      <a:tailEnd type="none" w="med" len="med"/>
+                    </a:lnT>
+                    <a:lnB w="12700" cap="flat" cmpd="sng" algn="ctr">
+                      <a:solidFill>
+                        <a:srgbClr val="CCCCCC"/>
+                      </a:solidFill>
+                      <a:prstDash val="solid"/>
+                      <a:round/>
+                      <a:headEnd type="none" w="med" len="med"/>
+                      <a:tailEnd type="none" w="med" len="med"/>
+                    </a:lnB>
+                    <a:solidFill>
+                      <a:srgbClr val="FFFFFF"/>
+                    </a:solidFill>
+                  </a:tcPr>
+                </a:tc>
+                <a:tc>
+                  <a:txBody>
+                    <a:bodyPr/>
+                    <a:lstStyle/>
+                    <a:p>
+                      <a:pPr algn="l" indent="0" marL="0">
+                        <a:buNone/>
+                      </a:pPr>
+                      <a:r>
+                        <a:rPr lang="en-US" sz="1100" dirty="0">
+                          <a:solidFill>
+                            <a:srgbClr val="000000"/>
+                          </a:solidFill>
+                        </a:rPr>
+                        <a:t>"@sarah EQIP report due June 15. Review draft this week?"</a:t>
+                      </a:r>
+                      <a:endParaRPr lang="en-US" sz="1100" dirty="0"/>
+                    </a:p>
+                  </a:txBody>
+                  <a:tcPr marL="91440" marR="91440" marT="45720" marB="45720" anchor="ctr">
+                    <a:lnL w="12700" cap="flat" cmpd="sng" algn="ctr">
+                      <a:solidFill>
+                        <a:srgbClr val="CCCCCC"/>
+                      </a:solidFill>
+                      <a:prstDash val="solid"/>
+                      <a:round/>
+                      <a:headEnd type="none" w="med" len="med"/>
+                      <a:tailEnd type="none" w="med" len="med"/>
+                    </a:lnL>
+                    <a:lnR w="12700" cap="flat" cmpd="sng" algn="ctr">
+                      <a:solidFill>
+                        <a:srgbClr val="CCCCCC"/>
+                      </a:solidFill>
+                      <a:prstDash val="solid"/>
+                      <a:round/>
+                      <a:headEnd type="none" w="med" len="med"/>
+                      <a:tailEnd type="none" w="med" len="med"/>
+                    </a:lnR>
+                    <a:lnT w="12700" cap="flat" cmpd="sng" algn="ctr">
+                      <a:solidFill>
+                        <a:srgbClr val="CCCCCC"/>
+                      </a:solidFill>
+                      <a:prstDash val="solid"/>
+                      <a:round/>
+                      <a:headEnd type="none" w="med" len="med"/>
+                      <a:tailEnd type="none" w="med" len="med"/>
+                    </a:lnT>
+                    <a:lnB w="12700" cap="flat" cmpd="sng" algn="ctr">
+                      <a:solidFill>
+                        <a:srgbClr val="CCCCCC"/>
+                      </a:solidFill>
+                      <a:prstDash val="solid"/>
+                      <a:round/>
+                      <a:headEnd type="none" w="med" len="med"/>
+                      <a:tailEnd type="none" w="med" len="med"/>
+                    </a:lnB>
+                    <a:solidFill>
+                      <a:srgbClr val="FFFFFF"/>
+                    </a:solidFill>
+                  </a:tcPr>
+                </a:tc>
+              </a:tr>
+            </a:tbl>
+          </a:graphicData>
+        </a:graphic>
+      </p:graphicFrame>
     </p:spTree>
   </p:cSld>
   <p:clrMapOvr>
@@ -4173,6 +4823,769 @@
           </a:p>
         </p:txBody>
       </p:sp>
+      <p:graphicFrame>
+        <p:nvGraphicFramePr>
+          <p:cNvPr id="13" name="Table 0"/>
+          <p:cNvGraphicFramePr>
+            <a:graphicFrameLocks noGrp="1"/>
+          </p:cNvGraphicFramePr>
+          <p:nvPr>
+            <p:extLst>
+              <p:ext uri="{D42A27DB-BD31-4B8C-83A1-F6EECF244321}">
+                <p14:modId xmlns:p14="http://schemas.microsoft.com/office/powerpoint/2010/main" val="1579011935"/>
+              </p:ext>
+            </p:extLst>
+          </p:nvPr>
+        </p:nvGraphicFramePr>
+        <p:xfrm>
+          <a:off x="355550" y="2475012"/>
+          <a:ext cx="8382000" cy="1905000"/>
+        </p:xfrm>
+        <a:graphic>
+          <a:graphicData uri="http://schemas.openxmlformats.org/drawingml/2006/table">
+            <a:tbl>
+              <a:tblPr/>
+              <a:tblGrid>
+                <a:gridCol w="1828800"/>
+                <a:gridCol w="3200400"/>
+                <a:gridCol w="3200400"/>
+              </a:tblGrid>
+              <a:tr h="476250">
+                <a:tc>
+                  <a:txBody>
+                    <a:bodyPr/>
+                    <a:lstStyle/>
+                    <a:p>
+                      <a:pPr algn="l" indent="0" marL="0">
+                        <a:buNone/>
+                      </a:pPr>
+                      <a:endParaRPr lang="en-US" sz="1100" dirty="0"/>
+                    </a:p>
+                  </a:txBody>
+                  <a:tcPr marL="91440" marR="91440" marT="45720" marB="45720" anchor="ctr">
+                    <a:lnL w="12700" cap="flat" cmpd="sng" algn="ctr">
+                      <a:solidFill>
+                        <a:srgbClr val="CCCCCC"/>
+                      </a:solidFill>
+                      <a:prstDash val="solid"/>
+                      <a:round/>
+                      <a:headEnd type="none" w="med" len="med"/>
+                      <a:tailEnd type="none" w="med" len="med"/>
+                    </a:lnL>
+                    <a:lnR w="12700" cap="flat" cmpd="sng" algn="ctr">
+                      <a:solidFill>
+                        <a:srgbClr val="CCCCCC"/>
+                      </a:solidFill>
+                      <a:prstDash val="solid"/>
+                      <a:round/>
+                      <a:headEnd type="none" w="med" len="med"/>
+                      <a:tailEnd type="none" w="med" len="med"/>
+                    </a:lnR>
+                    <a:lnT w="12700" cap="flat" cmpd="sng" algn="ctr">
+                      <a:solidFill>
+                        <a:srgbClr val="CCCCCC"/>
+                      </a:solidFill>
+                      <a:prstDash val="solid"/>
+                      <a:round/>
+                      <a:headEnd type="none" w="med" len="med"/>
+                      <a:tailEnd type="none" w="med" len="med"/>
+                    </a:lnT>
+                    <a:lnB w="12700" cap="flat" cmpd="sng" algn="ctr">
+                      <a:solidFill>
+                        <a:srgbClr val="CCCCCC"/>
+                      </a:solidFill>
+                      <a:prstDash val="solid"/>
+                      <a:round/>
+                      <a:headEnd type="none" w="med" len="med"/>
+                      <a:tailEnd type="none" w="med" len="med"/>
+                    </a:lnB>
+                    <a:solidFill>
+                      <a:srgbClr val="1E5128"/>
+                    </a:solidFill>
+                  </a:tcPr>
+                </a:tc>
+                <a:tc>
+                  <a:txBody>
+                    <a:bodyPr/>
+                    <a:lstStyle/>
+                    <a:p>
+                      <a:pPr algn="l" indent="0" marL="0">
+                        <a:buNone/>
+                      </a:pPr>
+                      <a:r>
+                        <a:rPr lang="en-US" sz="1100" b="1" dirty="0">
+                          <a:solidFill>
+                            <a:srgbClr val="FFFFFF"/>
+                          </a:solidFill>
+                        </a:rPr>
+                        <a:t>Issue</a:t>
+                      </a:r>
+                      <a:endParaRPr lang="en-US" sz="1100" dirty="0"/>
+                    </a:p>
+                  </a:txBody>
+                  <a:tcPr marL="91440" marR="91440" marT="45720" marB="45720" anchor="ctr">
+                    <a:lnL w="12700" cap="flat" cmpd="sng" algn="ctr">
+                      <a:solidFill>
+                        <a:srgbClr val="CCCCCC"/>
+                      </a:solidFill>
+                      <a:prstDash val="solid"/>
+                      <a:round/>
+                      <a:headEnd type="none" w="med" len="med"/>
+                      <a:tailEnd type="none" w="med" len="med"/>
+                    </a:lnL>
+                    <a:lnR w="12700" cap="flat" cmpd="sng" algn="ctr">
+                      <a:solidFill>
+                        <a:srgbClr val="CCCCCC"/>
+                      </a:solidFill>
+                      <a:prstDash val="solid"/>
+                      <a:round/>
+                      <a:headEnd type="none" w="med" len="med"/>
+                      <a:tailEnd type="none" w="med" len="med"/>
+                    </a:lnR>
+                    <a:lnT w="12700" cap="flat" cmpd="sng" algn="ctr">
+                      <a:solidFill>
+                        <a:srgbClr val="CCCCCC"/>
+                      </a:solidFill>
+                      <a:prstDash val="solid"/>
+                      <a:round/>
+                      <a:headEnd type="none" w="med" len="med"/>
+                      <a:tailEnd type="none" w="med" len="med"/>
+                    </a:lnT>
+                    <a:lnB w="12700" cap="flat" cmpd="sng" algn="ctr">
+                      <a:solidFill>
+                        <a:srgbClr val="CCCCCC"/>
+                      </a:solidFill>
+                      <a:prstDash val="solid"/>
+                      <a:round/>
+                      <a:headEnd type="none" w="med" len="med"/>
+                      <a:tailEnd type="none" w="med" len="med"/>
+                    </a:lnB>
+                    <a:solidFill>
+                      <a:srgbClr val="1E5128"/>
+                    </a:solidFill>
+                  </a:tcPr>
+                </a:tc>
+                <a:tc>
+                  <a:txBody>
+                    <a:bodyPr/>
+                    <a:lstStyle/>
+                    <a:p>
+                      <a:pPr algn="l" indent="0" marL="0">
+                        <a:buNone/>
+                      </a:pPr>
+                      <a:r>
+                        <a:rPr lang="en-US" sz="1100" b="1" dirty="0">
+                          <a:solidFill>
+                            <a:srgbClr val="FFFFFF"/>
+                          </a:solidFill>
+                        </a:rPr>
+                        <a:t>Discussion</a:t>
+                      </a:r>
+                      <a:endParaRPr lang="en-US" sz="1100" dirty="0"/>
+                    </a:p>
+                  </a:txBody>
+                  <a:tcPr marL="91440" marR="91440" marT="45720" marB="45720" anchor="ctr">
+                    <a:lnL w="12700" cap="flat" cmpd="sng" algn="ctr">
+                      <a:solidFill>
+                        <a:srgbClr val="CCCCCC"/>
+                      </a:solidFill>
+                      <a:prstDash val="solid"/>
+                      <a:round/>
+                      <a:headEnd type="none" w="med" len="med"/>
+                      <a:tailEnd type="none" w="med" len="med"/>
+                    </a:lnL>
+                    <a:lnR w="12700" cap="flat" cmpd="sng" algn="ctr">
+                      <a:solidFill>
+                        <a:srgbClr val="CCCCCC"/>
+                      </a:solidFill>
+                      <a:prstDash val="solid"/>
+                      <a:round/>
+                      <a:headEnd type="none" w="med" len="med"/>
+                      <a:tailEnd type="none" w="med" len="med"/>
+                    </a:lnR>
+                    <a:lnT w="12700" cap="flat" cmpd="sng" algn="ctr">
+                      <a:solidFill>
+                        <a:srgbClr val="CCCCCC"/>
+                      </a:solidFill>
+                      <a:prstDash val="solid"/>
+                      <a:round/>
+                      <a:headEnd type="none" w="med" len="med"/>
+                      <a:tailEnd type="none" w="med" len="med"/>
+                    </a:lnT>
+                    <a:lnB w="12700" cap="flat" cmpd="sng" algn="ctr">
+                      <a:solidFill>
+                        <a:srgbClr val="CCCCCC"/>
+                      </a:solidFill>
+                      <a:prstDash val="solid"/>
+                      <a:round/>
+                      <a:headEnd type="none" w="med" len="med"/>
+                      <a:tailEnd type="none" w="med" len="med"/>
+                    </a:lnB>
+                    <a:solidFill>
+                      <a:srgbClr val="1E5128"/>
+                    </a:solidFill>
+                  </a:tcPr>
+                </a:tc>
+              </a:tr>
+              <a:tr h="476250">
+                <a:tc>
+                  <a:txBody>
+                    <a:bodyPr/>
+                    <a:lstStyle/>
+                    <a:p>
+                      <a:pPr algn="l" indent="0" marL="0">
+                        <a:buNone/>
+                      </a:pPr>
+                      <a:r>
+                        <a:rPr lang="en-US" sz="1100" b="1" dirty="0">
+                          <a:solidFill>
+                            <a:srgbClr val="000000"/>
+                          </a:solidFill>
+                        </a:rPr>
+                        <a:t>Purpose</a:t>
+                      </a:r>
+                      <a:endParaRPr lang="en-US" sz="1100" dirty="0"/>
+                    </a:p>
+                  </a:txBody>
+                  <a:tcPr marL="91440" marR="91440" marT="45720" marB="45720" anchor="ctr">
+                    <a:lnL w="12700" cap="flat" cmpd="sng" algn="ctr">
+                      <a:solidFill>
+                        <a:srgbClr val="CCCCCC"/>
+                      </a:solidFill>
+                      <a:prstDash val="solid"/>
+                      <a:round/>
+                      <a:headEnd type="none" w="med" len="med"/>
+                      <a:tailEnd type="none" w="med" len="med"/>
+                    </a:lnL>
+                    <a:lnR w="12700" cap="flat" cmpd="sng" algn="ctr">
+                      <a:solidFill>
+                        <a:srgbClr val="CCCCCC"/>
+                      </a:solidFill>
+                      <a:prstDash val="solid"/>
+                      <a:round/>
+                      <a:headEnd type="none" w="med" len="med"/>
+                      <a:tailEnd type="none" w="med" len="med"/>
+                    </a:lnR>
+                    <a:lnT w="12700" cap="flat" cmpd="sng" algn="ctr">
+                      <a:solidFill>
+                        <a:srgbClr val="CCCCCC"/>
+                      </a:solidFill>
+                      <a:prstDash val="solid"/>
+                      <a:round/>
+                      <a:headEnd type="none" w="med" len="med"/>
+                      <a:tailEnd type="none" w="med" len="med"/>
+                    </a:lnT>
+                    <a:lnB w="12700" cap="flat" cmpd="sng" algn="ctr">
+                      <a:solidFill>
+                        <a:srgbClr val="CCCCCC"/>
+                      </a:solidFill>
+                      <a:prstDash val="solid"/>
+                      <a:round/>
+                      <a:headEnd type="none" w="med" len="med"/>
+                      <a:tailEnd type="none" w="med" len="med"/>
+                    </a:lnB>
+                    <a:solidFill>
+                      <a:srgbClr val="F4F1DE"/>
+                    </a:solidFill>
+                  </a:tcPr>
+                </a:tc>
+                <a:tc>
+                  <a:txBody>
+                    <a:bodyPr/>
+                    <a:lstStyle/>
+                    <a:p>
+                      <a:pPr algn="l" indent="0" marL="0">
+                        <a:buNone/>
+                      </a:pPr>
+                      <a:r>
+                        <a:rPr lang="en-US" sz="1100" dirty="0">
+                          <a:solidFill>
+                            <a:srgbClr val="000000"/>
+                          </a:solidFill>
+                        </a:rPr>
+                        <a:t>A task to be done</a:t>
+                      </a:r>
+                      <a:endParaRPr lang="en-US" sz="1100" dirty="0"/>
+                    </a:p>
+                  </a:txBody>
+                  <a:tcPr marL="91440" marR="91440" marT="45720" marB="45720" anchor="ctr">
+                    <a:lnL w="12700" cap="flat" cmpd="sng" algn="ctr">
+                      <a:solidFill>
+                        <a:srgbClr val="CCCCCC"/>
+                      </a:solidFill>
+                      <a:prstDash val="solid"/>
+                      <a:round/>
+                      <a:headEnd type="none" w="med" len="med"/>
+                      <a:tailEnd type="none" w="med" len="med"/>
+                    </a:lnL>
+                    <a:lnR w="12700" cap="flat" cmpd="sng" algn="ctr">
+                      <a:solidFill>
+                        <a:srgbClr val="CCCCCC"/>
+                      </a:solidFill>
+                      <a:prstDash val="solid"/>
+                      <a:round/>
+                      <a:headEnd type="none" w="med" len="med"/>
+                      <a:tailEnd type="none" w="med" len="med"/>
+                    </a:lnR>
+                    <a:lnT w="12700" cap="flat" cmpd="sng" algn="ctr">
+                      <a:solidFill>
+                        <a:srgbClr val="CCCCCC"/>
+                      </a:solidFill>
+                      <a:prstDash val="solid"/>
+                      <a:round/>
+                      <a:headEnd type="none" w="med" len="med"/>
+                      <a:tailEnd type="none" w="med" len="med"/>
+                    </a:lnT>
+                    <a:lnB w="12700" cap="flat" cmpd="sng" algn="ctr">
+                      <a:solidFill>
+                        <a:srgbClr val="CCCCCC"/>
+                      </a:solidFill>
+                      <a:prstDash val="solid"/>
+                      <a:round/>
+                      <a:headEnd type="none" w="med" len="med"/>
+                      <a:tailEnd type="none" w="med" len="med"/>
+                    </a:lnB>
+                    <a:solidFill>
+                      <a:srgbClr val="F4F1DE"/>
+                    </a:solidFill>
+                  </a:tcPr>
+                </a:tc>
+                <a:tc>
+                  <a:txBody>
+                    <a:bodyPr/>
+                    <a:lstStyle/>
+                    <a:p>
+                      <a:pPr algn="l" indent="0" marL="0">
+                        <a:buNone/>
+                      </a:pPr>
+                      <a:r>
+                        <a:rPr lang="en-US" sz="1100" dirty="0">
+                          <a:solidFill>
+                            <a:srgbClr val="000000"/>
+                          </a:solidFill>
+                        </a:rPr>
+                        <a:t>A conversation to have</a:t>
+                      </a:r>
+                      <a:endParaRPr lang="en-US" sz="1100" dirty="0"/>
+                    </a:p>
+                  </a:txBody>
+                  <a:tcPr marL="91440" marR="91440" marT="45720" marB="45720" anchor="ctr">
+                    <a:lnL w="12700" cap="flat" cmpd="sng" algn="ctr">
+                      <a:solidFill>
+                        <a:srgbClr val="CCCCCC"/>
+                      </a:solidFill>
+                      <a:prstDash val="solid"/>
+                      <a:round/>
+                      <a:headEnd type="none" w="med" len="med"/>
+                      <a:tailEnd type="none" w="med" len="med"/>
+                    </a:lnL>
+                    <a:lnR w="12700" cap="flat" cmpd="sng" algn="ctr">
+                      <a:solidFill>
+                        <a:srgbClr val="CCCCCC"/>
+                      </a:solidFill>
+                      <a:prstDash val="solid"/>
+                      <a:round/>
+                      <a:headEnd type="none" w="med" len="med"/>
+                      <a:tailEnd type="none" w="med" len="med"/>
+                    </a:lnR>
+                    <a:lnT w="12700" cap="flat" cmpd="sng" algn="ctr">
+                      <a:solidFill>
+                        <a:srgbClr val="CCCCCC"/>
+                      </a:solidFill>
+                      <a:prstDash val="solid"/>
+                      <a:round/>
+                      <a:headEnd type="none" w="med" len="med"/>
+                      <a:tailEnd type="none" w="med" len="med"/>
+                    </a:lnT>
+                    <a:lnB w="12700" cap="flat" cmpd="sng" algn="ctr">
+                      <a:solidFill>
+                        <a:srgbClr val="CCCCCC"/>
+                      </a:solidFill>
+                      <a:prstDash val="solid"/>
+                      <a:round/>
+                      <a:headEnd type="none" w="med" len="med"/>
+                      <a:tailEnd type="none" w="med" len="med"/>
+                    </a:lnB>
+                    <a:solidFill>
+                      <a:srgbClr val="F4F1DE"/>
+                    </a:solidFill>
+                  </a:tcPr>
+                </a:tc>
+              </a:tr>
+              <a:tr h="476250">
+                <a:tc>
+                  <a:txBody>
+                    <a:bodyPr/>
+                    <a:lstStyle/>
+                    <a:p>
+                      <a:pPr algn="l" indent="0" marL="0">
+                        <a:buNone/>
+                      </a:pPr>
+                      <a:r>
+                        <a:rPr lang="en-US" sz="1100" b="1" dirty="0">
+                          <a:solidFill>
+                            <a:srgbClr val="000000"/>
+                          </a:solidFill>
+                        </a:rPr>
+                        <a:t>Outcome</a:t>
+                      </a:r>
+                      <a:endParaRPr lang="en-US" sz="1100" dirty="0"/>
+                    </a:p>
+                  </a:txBody>
+                  <a:tcPr marL="91440" marR="91440" marT="45720" marB="45720" anchor="ctr">
+                    <a:lnL w="12700" cap="flat" cmpd="sng" algn="ctr">
+                      <a:solidFill>
+                        <a:srgbClr val="CCCCCC"/>
+                      </a:solidFill>
+                      <a:prstDash val="solid"/>
+                      <a:round/>
+                      <a:headEnd type="none" w="med" len="med"/>
+                      <a:tailEnd type="none" w="med" len="med"/>
+                    </a:lnL>
+                    <a:lnR w="12700" cap="flat" cmpd="sng" algn="ctr">
+                      <a:solidFill>
+                        <a:srgbClr val="CCCCCC"/>
+                      </a:solidFill>
+                      <a:prstDash val="solid"/>
+                      <a:round/>
+                      <a:headEnd type="none" w="med" len="med"/>
+                      <a:tailEnd type="none" w="med" len="med"/>
+                    </a:lnR>
+                    <a:lnT w="12700" cap="flat" cmpd="sng" algn="ctr">
+                      <a:solidFill>
+                        <a:srgbClr val="CCCCCC"/>
+                      </a:solidFill>
+                      <a:prstDash val="solid"/>
+                      <a:round/>
+                      <a:headEnd type="none" w="med" len="med"/>
+                      <a:tailEnd type="none" w="med" len="med"/>
+                    </a:lnT>
+                    <a:lnB w="12700" cap="flat" cmpd="sng" algn="ctr">
+                      <a:solidFill>
+                        <a:srgbClr val="CCCCCC"/>
+                      </a:solidFill>
+                      <a:prstDash val="solid"/>
+                      <a:round/>
+                      <a:headEnd type="none" w="med" len="med"/>
+                      <a:tailEnd type="none" w="med" len="med"/>
+                    </a:lnB>
+                    <a:solidFill>
+                      <a:srgbClr val="FFFFFF"/>
+                    </a:solidFill>
+                  </a:tcPr>
+                </a:tc>
+                <a:tc>
+                  <a:txBody>
+                    <a:bodyPr/>
+                    <a:lstStyle/>
+                    <a:p>
+                      <a:pPr algn="l" indent="0" marL="0">
+                        <a:buNone/>
+                      </a:pPr>
+                      <a:r>
+                        <a:rPr lang="en-US" sz="1100" dirty="0">
+                          <a:solidFill>
+                            <a:srgbClr val="000000"/>
+                          </a:solidFill>
+                        </a:rPr>
+                        <a:t>Gets closed when done</a:t>
+                      </a:r>
+                      <a:endParaRPr lang="en-US" sz="1100" dirty="0"/>
+                    </a:p>
+                  </a:txBody>
+                  <a:tcPr marL="91440" marR="91440" marT="45720" marB="45720" anchor="ctr">
+                    <a:lnL w="12700" cap="flat" cmpd="sng" algn="ctr">
+                      <a:solidFill>
+                        <a:srgbClr val="CCCCCC"/>
+                      </a:solidFill>
+                      <a:prstDash val="solid"/>
+                      <a:round/>
+                      <a:headEnd type="none" w="med" len="med"/>
+                      <a:tailEnd type="none" w="med" len="med"/>
+                    </a:lnL>
+                    <a:lnR w="12700" cap="flat" cmpd="sng" algn="ctr">
+                      <a:solidFill>
+                        <a:srgbClr val="CCCCCC"/>
+                      </a:solidFill>
+                      <a:prstDash val="solid"/>
+                      <a:round/>
+                      <a:headEnd type="none" w="med" len="med"/>
+                      <a:tailEnd type="none" w="med" len="med"/>
+                    </a:lnR>
+                    <a:lnT w="12700" cap="flat" cmpd="sng" algn="ctr">
+                      <a:solidFill>
+                        <a:srgbClr val="CCCCCC"/>
+                      </a:solidFill>
+                      <a:prstDash val="solid"/>
+                      <a:round/>
+                      <a:headEnd type="none" w="med" len="med"/>
+                      <a:tailEnd type="none" w="med" len="med"/>
+                    </a:lnT>
+                    <a:lnB w="12700" cap="flat" cmpd="sng" algn="ctr">
+                      <a:solidFill>
+                        <a:srgbClr val="CCCCCC"/>
+                      </a:solidFill>
+                      <a:prstDash val="solid"/>
+                      <a:round/>
+                      <a:headEnd type="none" w="med" len="med"/>
+                      <a:tailEnd type="none" w="med" len="med"/>
+                    </a:lnB>
+                    <a:solidFill>
+                      <a:srgbClr val="FFFFFF"/>
+                    </a:solidFill>
+                  </a:tcPr>
+                </a:tc>
+                <a:tc>
+                  <a:txBody>
+                    <a:bodyPr/>
+                    <a:lstStyle/>
+                    <a:p>
+                      <a:pPr algn="l" indent="0" marL="0">
+                        <a:buNone/>
+                      </a:pPr>
+                      <a:r>
+                        <a:rPr lang="en-US" sz="1100" dirty="0">
+                          <a:solidFill>
+                            <a:srgbClr val="000000"/>
+                          </a:solidFill>
+                        </a:rPr>
+                        <a:t>Stays open for ongoing talk</a:t>
+                      </a:r>
+                      <a:endParaRPr lang="en-US" sz="1100" dirty="0"/>
+                    </a:p>
+                  </a:txBody>
+                  <a:tcPr marL="91440" marR="91440" marT="45720" marB="45720" anchor="ctr">
+                    <a:lnL w="12700" cap="flat" cmpd="sng" algn="ctr">
+                      <a:solidFill>
+                        <a:srgbClr val="CCCCCC"/>
+                      </a:solidFill>
+                      <a:prstDash val="solid"/>
+                      <a:round/>
+                      <a:headEnd type="none" w="med" len="med"/>
+                      <a:tailEnd type="none" w="med" len="med"/>
+                    </a:lnL>
+                    <a:lnR w="12700" cap="flat" cmpd="sng" algn="ctr">
+                      <a:solidFill>
+                        <a:srgbClr val="CCCCCC"/>
+                      </a:solidFill>
+                      <a:prstDash val="solid"/>
+                      <a:round/>
+                      <a:headEnd type="none" w="med" len="med"/>
+                      <a:tailEnd type="none" w="med" len="med"/>
+                    </a:lnR>
+                    <a:lnT w="12700" cap="flat" cmpd="sng" algn="ctr">
+                      <a:solidFill>
+                        <a:srgbClr val="CCCCCC"/>
+                      </a:solidFill>
+                      <a:prstDash val="solid"/>
+                      <a:round/>
+                      <a:headEnd type="none" w="med" len="med"/>
+                      <a:tailEnd type="none" w="med" len="med"/>
+                    </a:lnT>
+                    <a:lnB w="12700" cap="flat" cmpd="sng" algn="ctr">
+                      <a:solidFill>
+                        <a:srgbClr val="CCCCCC"/>
+                      </a:solidFill>
+                      <a:prstDash val="solid"/>
+                      <a:round/>
+                      <a:headEnd type="none" w="med" len="med"/>
+                      <a:tailEnd type="none" w="med" len="med"/>
+                    </a:lnB>
+                    <a:solidFill>
+                      <a:srgbClr val="FFFFFF"/>
+                    </a:solidFill>
+                  </a:tcPr>
+                </a:tc>
+              </a:tr>
+              <a:tr h="476250">
+                <a:tc>
+                  <a:txBody>
+                    <a:bodyPr/>
+                    <a:lstStyle/>
+                    <a:p>
+                      <a:pPr algn="l" indent="0" marL="0">
+                        <a:buNone/>
+                      </a:pPr>
+                      <a:r>
+                        <a:rPr lang="en-US" sz="1100" b="1" dirty="0">
+                          <a:solidFill>
+                            <a:srgbClr val="000000"/>
+                          </a:solidFill>
+                        </a:rPr>
+                        <a:t>Example</a:t>
+                      </a:r>
+                      <a:endParaRPr lang="en-US" sz="1100" dirty="0"/>
+                    </a:p>
+                  </a:txBody>
+                  <a:tcPr marL="91440" marR="91440" marT="45720" marB="45720" anchor="ctr">
+                    <a:lnL w="12700" cap="flat" cmpd="sng" algn="ctr">
+                      <a:solidFill>
+                        <a:srgbClr val="CCCCCC"/>
+                      </a:solidFill>
+                      <a:prstDash val="solid"/>
+                      <a:round/>
+                      <a:headEnd type="none" w="med" len="med"/>
+                      <a:tailEnd type="none" w="med" len="med"/>
+                    </a:lnL>
+                    <a:lnR w="12700" cap="flat" cmpd="sng" algn="ctr">
+                      <a:solidFill>
+                        <a:srgbClr val="CCCCCC"/>
+                      </a:solidFill>
+                      <a:prstDash val="solid"/>
+                      <a:round/>
+                      <a:headEnd type="none" w="med" len="med"/>
+                      <a:tailEnd type="none" w="med" len="med"/>
+                    </a:lnR>
+                    <a:lnT w="12700" cap="flat" cmpd="sng" algn="ctr">
+                      <a:solidFill>
+                        <a:srgbClr val="CCCCCC"/>
+                      </a:solidFill>
+                      <a:prstDash val="solid"/>
+                      <a:round/>
+                      <a:headEnd type="none" w="med" len="med"/>
+                      <a:tailEnd type="none" w="med" len="med"/>
+                    </a:lnT>
+                    <a:lnB w="12700" cap="flat" cmpd="sng" algn="ctr">
+                      <a:solidFill>
+                        <a:srgbClr val="CCCCCC"/>
+                      </a:solidFill>
+                      <a:prstDash val="solid"/>
+                      <a:round/>
+                      <a:headEnd type="none" w="med" len="med"/>
+                      <a:tailEnd type="none" w="med" len="med"/>
+                    </a:lnB>
+                    <a:solidFill>
+                      <a:srgbClr val="F4F1DE"/>
+                    </a:solidFill>
+                  </a:tcPr>
+                </a:tc>
+                <a:tc>
+                  <a:txBody>
+                    <a:bodyPr/>
+                    <a:lstStyle/>
+                    <a:p>
+                      <a:pPr algn="l" indent="0" marL="0">
+                        <a:buNone/>
+                      </a:pPr>
+                      <a:r>
+                        <a:rPr lang="en-US" sz="1100" dirty="0">
+                          <a:solidFill>
+                            <a:srgbClr val="000000"/>
+                          </a:solidFill>
+                        </a:rPr>
+                        <a:t>"Fix fence in north pasture"</a:t>
+                      </a:r>
+                      <a:endParaRPr lang="en-US" sz="1100" dirty="0"/>
+                    </a:p>
+                  </a:txBody>
+                  <a:tcPr marL="91440" marR="91440" marT="45720" marB="45720" anchor="ctr">
+                    <a:lnL w="12700" cap="flat" cmpd="sng" algn="ctr">
+                      <a:solidFill>
+                        <a:srgbClr val="CCCCCC"/>
+                      </a:solidFill>
+                      <a:prstDash val="solid"/>
+                      <a:round/>
+                      <a:headEnd type="none" w="med" len="med"/>
+                      <a:tailEnd type="none" w="med" len="med"/>
+                    </a:lnL>
+                    <a:lnR w="12700" cap="flat" cmpd="sng" algn="ctr">
+                      <a:solidFill>
+                        <a:srgbClr val="CCCCCC"/>
+                      </a:solidFill>
+                      <a:prstDash val="solid"/>
+                      <a:round/>
+                      <a:headEnd type="none" w="med" len="med"/>
+                      <a:tailEnd type="none" w="med" len="med"/>
+                    </a:lnR>
+                    <a:lnT w="12700" cap="flat" cmpd="sng" algn="ctr">
+                      <a:solidFill>
+                        <a:srgbClr val="CCCCCC"/>
+                      </a:solidFill>
+                      <a:prstDash val="solid"/>
+                      <a:round/>
+                      <a:headEnd type="none" w="med" len="med"/>
+                      <a:tailEnd type="none" w="med" len="med"/>
+                    </a:lnT>
+                    <a:lnB w="12700" cap="flat" cmpd="sng" algn="ctr">
+                      <a:solidFill>
+                        <a:srgbClr val="CCCCCC"/>
+                      </a:solidFill>
+                      <a:prstDash val="solid"/>
+                      <a:round/>
+                      <a:headEnd type="none" w="med" len="med"/>
+                      <a:tailEnd type="none" w="med" len="med"/>
+                    </a:lnB>
+                    <a:solidFill>
+                      <a:srgbClr val="F4F1DE"/>
+                    </a:solidFill>
+                  </a:tcPr>
+                </a:tc>
+                <a:tc>
+                  <a:txBody>
+                    <a:bodyPr/>
+                    <a:lstStyle/>
+                    <a:p>
+                      <a:pPr algn="l" indent="0" marL="0">
+                        <a:buNone/>
+                      </a:pPr>
+                      <a:r>
+                        <a:rPr lang="en-US" sz="1100" dirty="0">
+                          <a:solidFill>
+                            <a:srgbClr val="000000"/>
+                          </a:solidFill>
+                        </a:rPr>
+                        <a:t>"What cover crops work best?"</a:t>
+                      </a:r>
+                      <a:endParaRPr lang="en-US" sz="1100" dirty="0"/>
+                    </a:p>
+                  </a:txBody>
+                  <a:tcPr marL="91440" marR="91440" marT="45720" marB="45720" anchor="ctr">
+                    <a:lnL w="12700" cap="flat" cmpd="sng" algn="ctr">
+                      <a:solidFill>
+                        <a:srgbClr val="CCCCCC"/>
+                      </a:solidFill>
+                      <a:prstDash val="solid"/>
+                      <a:round/>
+                      <a:headEnd type="none" w="med" len="med"/>
+                      <a:tailEnd type="none" w="med" len="med"/>
+                    </a:lnL>
+                    <a:lnR w="12700" cap="flat" cmpd="sng" algn="ctr">
+                      <a:solidFill>
+                        <a:srgbClr val="CCCCCC"/>
+                      </a:solidFill>
+                      <a:prstDash val="solid"/>
+                      <a:round/>
+                      <a:headEnd type="none" w="med" len="med"/>
+                      <a:tailEnd type="none" w="med" len="med"/>
+                    </a:lnR>
+                    <a:lnT w="12700" cap="flat" cmpd="sng" algn="ctr">
+                      <a:solidFill>
+                        <a:srgbClr val="CCCCCC"/>
+                      </a:solidFill>
+                      <a:prstDash val="solid"/>
+                      <a:round/>
+                      <a:headEnd type="none" w="med" len="med"/>
+                      <a:tailEnd type="none" w="med" len="med"/>
+                    </a:lnT>
+                    <a:lnB w="12700" cap="flat" cmpd="sng" algn="ctr">
+                      <a:solidFill>
+                        <a:srgbClr val="CCCCCC"/>
+                      </a:solidFill>
+                      <a:prstDash val="solid"/>
+                      <a:round/>
+                      <a:headEnd type="none" w="med" len="med"/>
+                      <a:tailEnd type="none" w="med" len="med"/>
+                    </a:lnB>
+                    <a:solidFill>
+                      <a:srgbClr val="F4F1DE"/>
+                    </a:solidFill>
+                  </a:tcPr>
+                </a:tc>
+              </a:tr>
+            </a:tbl>
+          </a:graphicData>
+        </a:graphic>
+      </p:graphicFrame>
     </p:spTree>
   </p:cSld>
   <p:clrMapOvr>
@@ -5004,6 +6417,1332 @@
           </a:p>
         </p:txBody>
       </p:sp>
+      <p:graphicFrame>
+        <p:nvGraphicFramePr>
+          <p:cNvPr id="15" name="Table 0"/>
+          <p:cNvGraphicFramePr>
+            <a:graphicFrameLocks noGrp="1"/>
+          </p:cNvGraphicFramePr>
+          <p:nvPr>
+            <p:extLst>
+              <p:ext uri="{D42A27DB-BD31-4B8C-83A1-F6EECF244321}">
+                <p14:modId xmlns:p14="http://schemas.microsoft.com/office/powerpoint/2010/main" val="1579011935"/>
+              </p:ext>
+            </p:extLst>
+          </p:nvPr>
+        </p:nvGraphicFramePr>
+        <p:xfrm>
+          <a:off x="355550" y="1569839"/>
+          <a:ext cx="8382000" cy="2793950"/>
+        </p:xfrm>
+        <a:graphic>
+          <a:graphicData uri="http://schemas.openxmlformats.org/drawingml/2006/table">
+            <a:tbl>
+              <a:tblPr/>
+              <a:tblGrid>
+                <a:gridCol w="2743200"/>
+                <a:gridCol w="1828800"/>
+                <a:gridCol w="3657600"/>
+              </a:tblGrid>
+              <a:tr h="399136">
+                <a:tc>
+                  <a:txBody>
+                    <a:bodyPr/>
+                    <a:lstStyle/>
+                    <a:p>
+                      <a:pPr algn="l" indent="0" marL="0">
+                        <a:buNone/>
+                      </a:pPr>
+                      <a:r>
+                        <a:rPr lang="en-US" sz="1100" b="1" dirty="0">
+                          <a:solidFill>
+                            <a:srgbClr val="FFFFFF"/>
+                          </a:solidFill>
+                        </a:rPr>
+                        <a:t>Situation</a:t>
+                      </a:r>
+                      <a:endParaRPr lang="en-US" sz="1100" dirty="0"/>
+                    </a:p>
+                  </a:txBody>
+                  <a:tcPr marL="91440" marR="91440" marT="45720" marB="45720" anchor="ctr">
+                    <a:lnL w="12700" cap="flat" cmpd="sng" algn="ctr">
+                      <a:solidFill>
+                        <a:srgbClr val="CCCCCC"/>
+                      </a:solidFill>
+                      <a:prstDash val="solid"/>
+                      <a:round/>
+                      <a:headEnd type="none" w="med" len="med"/>
+                      <a:tailEnd type="none" w="med" len="med"/>
+                    </a:lnL>
+                    <a:lnR w="12700" cap="flat" cmpd="sng" algn="ctr">
+                      <a:solidFill>
+                        <a:srgbClr val="CCCCCC"/>
+                      </a:solidFill>
+                      <a:prstDash val="solid"/>
+                      <a:round/>
+                      <a:headEnd type="none" w="med" len="med"/>
+                      <a:tailEnd type="none" w="med" len="med"/>
+                    </a:lnR>
+                    <a:lnT w="12700" cap="flat" cmpd="sng" algn="ctr">
+                      <a:solidFill>
+                        <a:srgbClr val="CCCCCC"/>
+                      </a:solidFill>
+                      <a:prstDash val="solid"/>
+                      <a:round/>
+                      <a:headEnd type="none" w="med" len="med"/>
+                      <a:tailEnd type="none" w="med" len="med"/>
+                    </a:lnT>
+                    <a:lnB w="12700" cap="flat" cmpd="sng" algn="ctr">
+                      <a:solidFill>
+                        <a:srgbClr val="CCCCCC"/>
+                      </a:solidFill>
+                      <a:prstDash val="solid"/>
+                      <a:round/>
+                      <a:headEnd type="none" w="med" len="med"/>
+                      <a:tailEnd type="none" w="med" len="med"/>
+                    </a:lnB>
+                    <a:solidFill>
+                      <a:srgbClr val="1E5128"/>
+                    </a:solidFill>
+                  </a:tcPr>
+                </a:tc>
+                <a:tc>
+                  <a:txBody>
+                    <a:bodyPr/>
+                    <a:lstStyle/>
+                    <a:p>
+                      <a:pPr algn="l" indent="0" marL="0">
+                        <a:buNone/>
+                      </a:pPr>
+                      <a:r>
+                        <a:rPr lang="en-US" sz="1100" b="1" dirty="0">
+                          <a:solidFill>
+                            <a:srgbClr val="FFFFFF"/>
+                          </a:solidFill>
+                        </a:rPr>
+                        <a:t>Best Tool</a:t>
+                      </a:r>
+                      <a:endParaRPr lang="en-US" sz="1100" dirty="0"/>
+                    </a:p>
+                  </a:txBody>
+                  <a:tcPr marL="91440" marR="91440" marT="45720" marB="45720" anchor="ctr">
+                    <a:lnL w="12700" cap="flat" cmpd="sng" algn="ctr">
+                      <a:solidFill>
+                        <a:srgbClr val="CCCCCC"/>
+                      </a:solidFill>
+                      <a:prstDash val="solid"/>
+                      <a:round/>
+                      <a:headEnd type="none" w="med" len="med"/>
+                      <a:tailEnd type="none" w="med" len="med"/>
+                    </a:lnL>
+                    <a:lnR w="12700" cap="flat" cmpd="sng" algn="ctr">
+                      <a:solidFill>
+                        <a:srgbClr val="CCCCCC"/>
+                      </a:solidFill>
+                      <a:prstDash val="solid"/>
+                      <a:round/>
+                      <a:headEnd type="none" w="med" len="med"/>
+                      <a:tailEnd type="none" w="med" len="med"/>
+                    </a:lnR>
+                    <a:lnT w="12700" cap="flat" cmpd="sng" algn="ctr">
+                      <a:solidFill>
+                        <a:srgbClr val="CCCCCC"/>
+                      </a:solidFill>
+                      <a:prstDash val="solid"/>
+                      <a:round/>
+                      <a:headEnd type="none" w="med" len="med"/>
+                      <a:tailEnd type="none" w="med" len="med"/>
+                    </a:lnT>
+                    <a:lnB w="12700" cap="flat" cmpd="sng" algn="ctr">
+                      <a:solidFill>
+                        <a:srgbClr val="CCCCCC"/>
+                      </a:solidFill>
+                      <a:prstDash val="solid"/>
+                      <a:round/>
+                      <a:headEnd type="none" w="med" len="med"/>
+                      <a:tailEnd type="none" w="med" len="med"/>
+                    </a:lnB>
+                    <a:solidFill>
+                      <a:srgbClr val="1E5128"/>
+                    </a:solidFill>
+                  </a:tcPr>
+                </a:tc>
+                <a:tc>
+                  <a:txBody>
+                    <a:bodyPr/>
+                    <a:lstStyle/>
+                    <a:p>
+                      <a:pPr algn="l" indent="0" marL="0">
+                        <a:buNone/>
+                      </a:pPr>
+                      <a:r>
+                        <a:rPr lang="en-US" sz="1100" b="1" dirty="0">
+                          <a:solidFill>
+                            <a:srgbClr val="FFFFFF"/>
+                          </a:solidFill>
+                        </a:rPr>
+                        <a:t>Why</a:t>
+                      </a:r>
+                      <a:endParaRPr lang="en-US" sz="1100" dirty="0"/>
+                    </a:p>
+                  </a:txBody>
+                  <a:tcPr marL="91440" marR="91440" marT="45720" marB="45720" anchor="ctr">
+                    <a:lnL w="12700" cap="flat" cmpd="sng" algn="ctr">
+                      <a:solidFill>
+                        <a:srgbClr val="CCCCCC"/>
+                      </a:solidFill>
+                      <a:prstDash val="solid"/>
+                      <a:round/>
+                      <a:headEnd type="none" w="med" len="med"/>
+                      <a:tailEnd type="none" w="med" len="med"/>
+                    </a:lnL>
+                    <a:lnR w="12700" cap="flat" cmpd="sng" algn="ctr">
+                      <a:solidFill>
+                        <a:srgbClr val="CCCCCC"/>
+                      </a:solidFill>
+                      <a:prstDash val="solid"/>
+                      <a:round/>
+                      <a:headEnd type="none" w="med" len="med"/>
+                      <a:tailEnd type="none" w="med" len="med"/>
+                    </a:lnR>
+                    <a:lnT w="12700" cap="flat" cmpd="sng" algn="ctr">
+                      <a:solidFill>
+                        <a:srgbClr val="CCCCCC"/>
+                      </a:solidFill>
+                      <a:prstDash val="solid"/>
+                      <a:round/>
+                      <a:headEnd type="none" w="med" len="med"/>
+                      <a:tailEnd type="none" w="med" len="med"/>
+                    </a:lnT>
+                    <a:lnB w="12700" cap="flat" cmpd="sng" algn="ctr">
+                      <a:solidFill>
+                        <a:srgbClr val="CCCCCC"/>
+                      </a:solidFill>
+                      <a:prstDash val="solid"/>
+                      <a:round/>
+                      <a:headEnd type="none" w="med" len="med"/>
+                      <a:tailEnd type="none" w="med" len="med"/>
+                    </a:lnB>
+                    <a:solidFill>
+                      <a:srgbClr val="1E5128"/>
+                    </a:solidFill>
+                  </a:tcPr>
+                </a:tc>
+              </a:tr>
+              <a:tr h="399136">
+                <a:tc>
+                  <a:txBody>
+                    <a:bodyPr/>
+                    <a:lstStyle/>
+                    <a:p>
+                      <a:pPr algn="l" indent="0" marL="0">
+                        <a:buNone/>
+                      </a:pPr>
+                      <a:r>
+                        <a:rPr lang="en-US" sz="1100" dirty="0">
+                          <a:solidFill>
+                            <a:srgbClr val="000000"/>
+                          </a:solidFill>
+                        </a:rPr>
+                        <a:t>"Fix the broken fence"</a:t>
+                      </a:r>
+                      <a:endParaRPr lang="en-US" sz="1100" dirty="0"/>
+                    </a:p>
+                  </a:txBody>
+                  <a:tcPr marL="91440" marR="91440" marT="45720" marB="45720" anchor="ctr">
+                    <a:lnL w="12700" cap="flat" cmpd="sng" algn="ctr">
+                      <a:solidFill>
+                        <a:srgbClr val="CCCCCC"/>
+                      </a:solidFill>
+                      <a:prstDash val="solid"/>
+                      <a:round/>
+                      <a:headEnd type="none" w="med" len="med"/>
+                      <a:tailEnd type="none" w="med" len="med"/>
+                    </a:lnL>
+                    <a:lnR w="12700" cap="flat" cmpd="sng" algn="ctr">
+                      <a:solidFill>
+                        <a:srgbClr val="CCCCCC"/>
+                      </a:solidFill>
+                      <a:prstDash val="solid"/>
+                      <a:round/>
+                      <a:headEnd type="none" w="med" len="med"/>
+                      <a:tailEnd type="none" w="med" len="med"/>
+                    </a:lnR>
+                    <a:lnT w="12700" cap="flat" cmpd="sng" algn="ctr">
+                      <a:solidFill>
+                        <a:srgbClr val="CCCCCC"/>
+                      </a:solidFill>
+                      <a:prstDash val="solid"/>
+                      <a:round/>
+                      <a:headEnd type="none" w="med" len="med"/>
+                      <a:tailEnd type="none" w="med" len="med"/>
+                    </a:lnT>
+                    <a:lnB w="12700" cap="flat" cmpd="sng" algn="ctr">
+                      <a:solidFill>
+                        <a:srgbClr val="CCCCCC"/>
+                      </a:solidFill>
+                      <a:prstDash val="solid"/>
+                      <a:round/>
+                      <a:headEnd type="none" w="med" len="med"/>
+                      <a:tailEnd type="none" w="med" len="med"/>
+                    </a:lnB>
+                    <a:solidFill>
+                      <a:srgbClr val="F4F1DE"/>
+                    </a:solidFill>
+                  </a:tcPr>
+                </a:tc>
+                <a:tc>
+                  <a:txBody>
+                    <a:bodyPr/>
+                    <a:lstStyle/>
+                    <a:p>
+                      <a:pPr algn="l" indent="0" marL="0">
+                        <a:buNone/>
+                      </a:pPr>
+                      <a:r>
+                        <a:rPr lang="en-US" sz="1100" b="1" dirty="0">
+                          <a:solidFill>
+                            <a:srgbClr val="000000"/>
+                          </a:solidFill>
+                        </a:rPr>
+                        <a:t>Issue</a:t>
+                      </a:r>
+                      <a:endParaRPr lang="en-US" sz="1100" dirty="0"/>
+                    </a:p>
+                  </a:txBody>
+                  <a:tcPr marL="91440" marR="91440" marT="45720" marB="45720" anchor="ctr">
+                    <a:lnL w="12700" cap="flat" cmpd="sng" algn="ctr">
+                      <a:solidFill>
+                        <a:srgbClr val="CCCCCC"/>
+                      </a:solidFill>
+                      <a:prstDash val="solid"/>
+                      <a:round/>
+                      <a:headEnd type="none" w="med" len="med"/>
+                      <a:tailEnd type="none" w="med" len="med"/>
+                    </a:lnL>
+                    <a:lnR w="12700" cap="flat" cmpd="sng" algn="ctr">
+                      <a:solidFill>
+                        <a:srgbClr val="CCCCCC"/>
+                      </a:solidFill>
+                      <a:prstDash val="solid"/>
+                      <a:round/>
+                      <a:headEnd type="none" w="med" len="med"/>
+                      <a:tailEnd type="none" w="med" len="med"/>
+                    </a:lnR>
+                    <a:lnT w="12700" cap="flat" cmpd="sng" algn="ctr">
+                      <a:solidFill>
+                        <a:srgbClr val="CCCCCC"/>
+                      </a:solidFill>
+                      <a:prstDash val="solid"/>
+                      <a:round/>
+                      <a:headEnd type="none" w="med" len="med"/>
+                      <a:tailEnd type="none" w="med" len="med"/>
+                    </a:lnT>
+                    <a:lnB w="12700" cap="flat" cmpd="sng" algn="ctr">
+                      <a:solidFill>
+                        <a:srgbClr val="CCCCCC"/>
+                      </a:solidFill>
+                      <a:prstDash val="solid"/>
+                      <a:round/>
+                      <a:headEnd type="none" w="med" len="med"/>
+                      <a:tailEnd type="none" w="med" len="med"/>
+                    </a:lnB>
+                    <a:solidFill>
+                      <a:srgbClr val="F4F1DE"/>
+                    </a:solidFill>
+                  </a:tcPr>
+                </a:tc>
+                <a:tc>
+                  <a:txBody>
+                    <a:bodyPr/>
+                    <a:lstStyle/>
+                    <a:p>
+                      <a:pPr algn="l" indent="0" marL="0">
+                        <a:buNone/>
+                      </a:pPr>
+                      <a:r>
+                        <a:rPr lang="en-US" sz="1100" dirty="0">
+                          <a:solidFill>
+                            <a:srgbClr val="000000"/>
+                          </a:solidFill>
+                        </a:rPr>
+                        <a:t>Task with a clear end</a:t>
+                      </a:r>
+                      <a:endParaRPr lang="en-US" sz="1100" dirty="0"/>
+                    </a:p>
+                  </a:txBody>
+                  <a:tcPr marL="91440" marR="91440" marT="45720" marB="45720" anchor="ctr">
+                    <a:lnL w="12700" cap="flat" cmpd="sng" algn="ctr">
+                      <a:solidFill>
+                        <a:srgbClr val="CCCCCC"/>
+                      </a:solidFill>
+                      <a:prstDash val="solid"/>
+                      <a:round/>
+                      <a:headEnd type="none" w="med" len="med"/>
+                      <a:tailEnd type="none" w="med" len="med"/>
+                    </a:lnL>
+                    <a:lnR w="12700" cap="flat" cmpd="sng" algn="ctr">
+                      <a:solidFill>
+                        <a:srgbClr val="CCCCCC"/>
+                      </a:solidFill>
+                      <a:prstDash val="solid"/>
+                      <a:round/>
+                      <a:headEnd type="none" w="med" len="med"/>
+                      <a:tailEnd type="none" w="med" len="med"/>
+                    </a:lnR>
+                    <a:lnT w="12700" cap="flat" cmpd="sng" algn="ctr">
+                      <a:solidFill>
+                        <a:srgbClr val="CCCCCC"/>
+                      </a:solidFill>
+                      <a:prstDash val="solid"/>
+                      <a:round/>
+                      <a:headEnd type="none" w="med" len="med"/>
+                      <a:tailEnd type="none" w="med" len="med"/>
+                    </a:lnT>
+                    <a:lnB w="12700" cap="flat" cmpd="sng" algn="ctr">
+                      <a:solidFill>
+                        <a:srgbClr val="CCCCCC"/>
+                      </a:solidFill>
+                      <a:prstDash val="solid"/>
+                      <a:round/>
+                      <a:headEnd type="none" w="med" len="med"/>
+                      <a:tailEnd type="none" w="med" len="med"/>
+                    </a:lnB>
+                    <a:solidFill>
+                      <a:srgbClr val="F4F1DE"/>
+                    </a:solidFill>
+                  </a:tcPr>
+                </a:tc>
+              </a:tr>
+              <a:tr h="399136">
+                <a:tc>
+                  <a:txBody>
+                    <a:bodyPr/>
+                    <a:lstStyle/>
+                    <a:p>
+                      <a:pPr algn="l" indent="0" marL="0">
+                        <a:buNone/>
+                      </a:pPr>
+                      <a:r>
+                        <a:rPr lang="en-US" sz="1100" dirty="0">
+                          <a:solidFill>
+                            <a:srgbClr val="000000"/>
+                          </a:solidFill>
+                        </a:rPr>
+                        <a:t>"Check irrigation pump"</a:t>
+                      </a:r>
+                      <a:endParaRPr lang="en-US" sz="1100" dirty="0"/>
+                    </a:p>
+                  </a:txBody>
+                  <a:tcPr marL="91440" marR="91440" marT="45720" marB="45720" anchor="ctr">
+                    <a:lnL w="12700" cap="flat" cmpd="sng" algn="ctr">
+                      <a:solidFill>
+                        <a:srgbClr val="CCCCCC"/>
+                      </a:solidFill>
+                      <a:prstDash val="solid"/>
+                      <a:round/>
+                      <a:headEnd type="none" w="med" len="med"/>
+                      <a:tailEnd type="none" w="med" len="med"/>
+                    </a:lnL>
+                    <a:lnR w="12700" cap="flat" cmpd="sng" algn="ctr">
+                      <a:solidFill>
+                        <a:srgbClr val="CCCCCC"/>
+                      </a:solidFill>
+                      <a:prstDash val="solid"/>
+                      <a:round/>
+                      <a:headEnd type="none" w="med" len="med"/>
+                      <a:tailEnd type="none" w="med" len="med"/>
+                    </a:lnR>
+                    <a:lnT w="12700" cap="flat" cmpd="sng" algn="ctr">
+                      <a:solidFill>
+                        <a:srgbClr val="CCCCCC"/>
+                      </a:solidFill>
+                      <a:prstDash val="solid"/>
+                      <a:round/>
+                      <a:headEnd type="none" w="med" len="med"/>
+                      <a:tailEnd type="none" w="med" len="med"/>
+                    </a:lnT>
+                    <a:lnB w="12700" cap="flat" cmpd="sng" algn="ctr">
+                      <a:solidFill>
+                        <a:srgbClr val="CCCCCC"/>
+                      </a:solidFill>
+                      <a:prstDash val="solid"/>
+                      <a:round/>
+                      <a:headEnd type="none" w="med" len="med"/>
+                      <a:tailEnd type="none" w="med" len="med"/>
+                    </a:lnB>
+                    <a:solidFill>
+                      <a:srgbClr val="FFFFFF"/>
+                    </a:solidFill>
+                  </a:tcPr>
+                </a:tc>
+                <a:tc>
+                  <a:txBody>
+                    <a:bodyPr/>
+                    <a:lstStyle/>
+                    <a:p>
+                      <a:pPr algn="l" indent="0" marL="0">
+                        <a:buNone/>
+                      </a:pPr>
+                      <a:r>
+                        <a:rPr lang="en-US" sz="1100" b="1" dirty="0">
+                          <a:solidFill>
+                            <a:srgbClr val="000000"/>
+                          </a:solidFill>
+                        </a:rPr>
+                        <a:t>@mention</a:t>
+                      </a:r>
+                      <a:endParaRPr lang="en-US" sz="1100" dirty="0"/>
+                    </a:p>
+                  </a:txBody>
+                  <a:tcPr marL="91440" marR="91440" marT="45720" marB="45720" anchor="ctr">
+                    <a:lnL w="12700" cap="flat" cmpd="sng" algn="ctr">
+                      <a:solidFill>
+                        <a:srgbClr val="CCCCCC"/>
+                      </a:solidFill>
+                      <a:prstDash val="solid"/>
+                      <a:round/>
+                      <a:headEnd type="none" w="med" len="med"/>
+                      <a:tailEnd type="none" w="med" len="med"/>
+                    </a:lnL>
+                    <a:lnR w="12700" cap="flat" cmpd="sng" algn="ctr">
+                      <a:solidFill>
+                        <a:srgbClr val="CCCCCC"/>
+                      </a:solidFill>
+                      <a:prstDash val="solid"/>
+                      <a:round/>
+                      <a:headEnd type="none" w="med" len="med"/>
+                      <a:tailEnd type="none" w="med" len="med"/>
+                    </a:lnR>
+                    <a:lnT w="12700" cap="flat" cmpd="sng" algn="ctr">
+                      <a:solidFill>
+                        <a:srgbClr val="CCCCCC"/>
+                      </a:solidFill>
+                      <a:prstDash val="solid"/>
+                      <a:round/>
+                      <a:headEnd type="none" w="med" len="med"/>
+                      <a:tailEnd type="none" w="med" len="med"/>
+                    </a:lnT>
+                    <a:lnB w="12700" cap="flat" cmpd="sng" algn="ctr">
+                      <a:solidFill>
+                        <a:srgbClr val="CCCCCC"/>
+                      </a:solidFill>
+                      <a:prstDash val="solid"/>
+                      <a:round/>
+                      <a:headEnd type="none" w="med" len="med"/>
+                      <a:tailEnd type="none" w="med" len="med"/>
+                    </a:lnB>
+                    <a:solidFill>
+                      <a:srgbClr val="FFFFFF"/>
+                    </a:solidFill>
+                  </a:tcPr>
+                </a:tc>
+                <a:tc>
+                  <a:txBody>
+                    <a:bodyPr/>
+                    <a:lstStyle/>
+                    <a:p>
+                      <a:pPr algn="l" indent="0" marL="0">
+                        <a:buNone/>
+                      </a:pPr>
+                      <a:r>
+                        <a:rPr lang="en-US" sz="1100" dirty="0">
+                          <a:solidFill>
+                            <a:srgbClr val="000000"/>
+                          </a:solidFill>
+                        </a:rPr>
+                        <a:t>Directing to a person</a:t>
+                      </a:r>
+                      <a:endParaRPr lang="en-US" sz="1100" dirty="0"/>
+                    </a:p>
+                  </a:txBody>
+                  <a:tcPr marL="91440" marR="91440" marT="45720" marB="45720" anchor="ctr">
+                    <a:lnL w="12700" cap="flat" cmpd="sng" algn="ctr">
+                      <a:solidFill>
+                        <a:srgbClr val="CCCCCC"/>
+                      </a:solidFill>
+                      <a:prstDash val="solid"/>
+                      <a:round/>
+                      <a:headEnd type="none" w="med" len="med"/>
+                      <a:tailEnd type="none" w="med" len="med"/>
+                    </a:lnL>
+                    <a:lnR w="12700" cap="flat" cmpd="sng" algn="ctr">
+                      <a:solidFill>
+                        <a:srgbClr val="CCCCCC"/>
+                      </a:solidFill>
+                      <a:prstDash val="solid"/>
+                      <a:round/>
+                      <a:headEnd type="none" w="med" len="med"/>
+                      <a:tailEnd type="none" w="med" len="med"/>
+                    </a:lnR>
+                    <a:lnT w="12700" cap="flat" cmpd="sng" algn="ctr">
+                      <a:solidFill>
+                        <a:srgbClr val="CCCCCC"/>
+                      </a:solidFill>
+                      <a:prstDash val="solid"/>
+                      <a:round/>
+                      <a:headEnd type="none" w="med" len="med"/>
+                      <a:tailEnd type="none" w="med" len="med"/>
+                    </a:lnT>
+                    <a:lnB w="12700" cap="flat" cmpd="sng" algn="ctr">
+                      <a:solidFill>
+                        <a:srgbClr val="CCCCCC"/>
+                      </a:solidFill>
+                      <a:prstDash val="solid"/>
+                      <a:round/>
+                      <a:headEnd type="none" w="med" len="med"/>
+                      <a:tailEnd type="none" w="med" len="med"/>
+                    </a:lnB>
+                    <a:solidFill>
+                      <a:srgbClr val="FFFFFF"/>
+                    </a:solidFill>
+                  </a:tcPr>
+                </a:tc>
+              </a:tr>
+              <a:tr h="399136">
+                <a:tc>
+                  <a:txBody>
+                    <a:bodyPr/>
+                    <a:lstStyle/>
+                    <a:p>
+                      <a:pPr algn="l" indent="0" marL="0">
+                        <a:buNone/>
+                      </a:pPr>
+                      <a:r>
+                        <a:rPr lang="en-US" sz="1100" dirty="0">
+                          <a:solidFill>
+                            <a:srgbClr val="000000"/>
+                          </a:solidFill>
+                        </a:rPr>
+                        <a:t>"Best cover crops?"</a:t>
+                      </a:r>
+                      <a:endParaRPr lang="en-US" sz="1100" dirty="0"/>
+                    </a:p>
+                  </a:txBody>
+                  <a:tcPr marL="91440" marR="91440" marT="45720" marB="45720" anchor="ctr">
+                    <a:lnL w="12700" cap="flat" cmpd="sng" algn="ctr">
+                      <a:solidFill>
+                        <a:srgbClr val="CCCCCC"/>
+                      </a:solidFill>
+                      <a:prstDash val="solid"/>
+                      <a:round/>
+                      <a:headEnd type="none" w="med" len="med"/>
+                      <a:tailEnd type="none" w="med" len="med"/>
+                    </a:lnL>
+                    <a:lnR w="12700" cap="flat" cmpd="sng" algn="ctr">
+                      <a:solidFill>
+                        <a:srgbClr val="CCCCCC"/>
+                      </a:solidFill>
+                      <a:prstDash val="solid"/>
+                      <a:round/>
+                      <a:headEnd type="none" w="med" len="med"/>
+                      <a:tailEnd type="none" w="med" len="med"/>
+                    </a:lnR>
+                    <a:lnT w="12700" cap="flat" cmpd="sng" algn="ctr">
+                      <a:solidFill>
+                        <a:srgbClr val="CCCCCC"/>
+                      </a:solidFill>
+                      <a:prstDash val="solid"/>
+                      <a:round/>
+                      <a:headEnd type="none" w="med" len="med"/>
+                      <a:tailEnd type="none" w="med" len="med"/>
+                    </a:lnT>
+                    <a:lnB w="12700" cap="flat" cmpd="sng" algn="ctr">
+                      <a:solidFill>
+                        <a:srgbClr val="CCCCCC"/>
+                      </a:solidFill>
+                      <a:prstDash val="solid"/>
+                      <a:round/>
+                      <a:headEnd type="none" w="med" len="med"/>
+                      <a:tailEnd type="none" w="med" len="med"/>
+                    </a:lnB>
+                    <a:solidFill>
+                      <a:srgbClr val="F4F1DE"/>
+                    </a:solidFill>
+                  </a:tcPr>
+                </a:tc>
+                <a:tc>
+                  <a:txBody>
+                    <a:bodyPr/>
+                    <a:lstStyle/>
+                    <a:p>
+                      <a:pPr algn="l" indent="0" marL="0">
+                        <a:buNone/>
+                      </a:pPr>
+                      <a:r>
+                        <a:rPr lang="en-US" sz="1100" b="1" dirty="0">
+                          <a:solidFill>
+                            <a:srgbClr val="000000"/>
+                          </a:solidFill>
+                        </a:rPr>
+                        <a:t>Discussion</a:t>
+                      </a:r>
+                      <a:endParaRPr lang="en-US" sz="1100" dirty="0"/>
+                    </a:p>
+                  </a:txBody>
+                  <a:tcPr marL="91440" marR="91440" marT="45720" marB="45720" anchor="ctr">
+                    <a:lnL w="12700" cap="flat" cmpd="sng" algn="ctr">
+                      <a:solidFill>
+                        <a:srgbClr val="CCCCCC"/>
+                      </a:solidFill>
+                      <a:prstDash val="solid"/>
+                      <a:round/>
+                      <a:headEnd type="none" w="med" len="med"/>
+                      <a:tailEnd type="none" w="med" len="med"/>
+                    </a:lnL>
+                    <a:lnR w="12700" cap="flat" cmpd="sng" algn="ctr">
+                      <a:solidFill>
+                        <a:srgbClr val="CCCCCC"/>
+                      </a:solidFill>
+                      <a:prstDash val="solid"/>
+                      <a:round/>
+                      <a:headEnd type="none" w="med" len="med"/>
+                      <a:tailEnd type="none" w="med" len="med"/>
+                    </a:lnR>
+                    <a:lnT w="12700" cap="flat" cmpd="sng" algn="ctr">
+                      <a:solidFill>
+                        <a:srgbClr val="CCCCCC"/>
+                      </a:solidFill>
+                      <a:prstDash val="solid"/>
+                      <a:round/>
+                      <a:headEnd type="none" w="med" len="med"/>
+                      <a:tailEnd type="none" w="med" len="med"/>
+                    </a:lnT>
+                    <a:lnB w="12700" cap="flat" cmpd="sng" algn="ctr">
+                      <a:solidFill>
+                        <a:srgbClr val="CCCCCC"/>
+                      </a:solidFill>
+                      <a:prstDash val="solid"/>
+                      <a:round/>
+                      <a:headEnd type="none" w="med" len="med"/>
+                      <a:tailEnd type="none" w="med" len="med"/>
+                    </a:lnB>
+                    <a:solidFill>
+                      <a:srgbClr val="F4F1DE"/>
+                    </a:solidFill>
+                  </a:tcPr>
+                </a:tc>
+                <a:tc>
+                  <a:txBody>
+                    <a:bodyPr/>
+                    <a:lstStyle/>
+                    <a:p>
+                      <a:pPr algn="l" indent="0" marL="0">
+                        <a:buNone/>
+                      </a:pPr>
+                      <a:r>
+                        <a:rPr lang="en-US" sz="1100" dirty="0">
+                          <a:solidFill>
+                            <a:srgbClr val="000000"/>
+                          </a:solidFill>
+                        </a:rPr>
+                        <a:t>Open-ended question</a:t>
+                      </a:r>
+                      <a:endParaRPr lang="en-US" sz="1100" dirty="0"/>
+                    </a:p>
+                  </a:txBody>
+                  <a:tcPr marL="91440" marR="91440" marT="45720" marB="45720" anchor="ctr">
+                    <a:lnL w="12700" cap="flat" cmpd="sng" algn="ctr">
+                      <a:solidFill>
+                        <a:srgbClr val="CCCCCC"/>
+                      </a:solidFill>
+                      <a:prstDash val="solid"/>
+                      <a:round/>
+                      <a:headEnd type="none" w="med" len="med"/>
+                      <a:tailEnd type="none" w="med" len="med"/>
+                    </a:lnL>
+                    <a:lnR w="12700" cap="flat" cmpd="sng" algn="ctr">
+                      <a:solidFill>
+                        <a:srgbClr val="CCCCCC"/>
+                      </a:solidFill>
+                      <a:prstDash val="solid"/>
+                      <a:round/>
+                      <a:headEnd type="none" w="med" len="med"/>
+                      <a:tailEnd type="none" w="med" len="med"/>
+                    </a:lnR>
+                    <a:lnT w="12700" cap="flat" cmpd="sng" algn="ctr">
+                      <a:solidFill>
+                        <a:srgbClr val="CCCCCC"/>
+                      </a:solidFill>
+                      <a:prstDash val="solid"/>
+                      <a:round/>
+                      <a:headEnd type="none" w="med" len="med"/>
+                      <a:tailEnd type="none" w="med" len="med"/>
+                    </a:lnT>
+                    <a:lnB w="12700" cap="flat" cmpd="sng" algn="ctr">
+                      <a:solidFill>
+                        <a:srgbClr val="CCCCCC"/>
+                      </a:solidFill>
+                      <a:prstDash val="solid"/>
+                      <a:round/>
+                      <a:headEnd type="none" w="med" len="med"/>
+                      <a:tailEnd type="none" w="med" len="med"/>
+                    </a:lnB>
+                    <a:solidFill>
+                      <a:srgbClr val="F4F1DE"/>
+                    </a:solidFill>
+                  </a:tcPr>
+                </a:tc>
+              </a:tr>
+              <a:tr h="399136">
+                <a:tc>
+                  <a:txBody>
+                    <a:bodyPr/>
+                    <a:lstStyle/>
+                    <a:p>
+                      <a:pPr algn="l" indent="0" marL="0">
+                        <a:buNone/>
+                      </a:pPr>
+                      <a:r>
+                        <a:rPr lang="en-US" sz="1100" dirty="0">
+                          <a:solidFill>
+                            <a:srgbClr val="000000"/>
+                          </a:solidFill>
+                        </a:rPr>
+                        <a:t>"Available Saturday?"</a:t>
+                      </a:r>
+                      <a:endParaRPr lang="en-US" sz="1100" dirty="0"/>
+                    </a:p>
+                  </a:txBody>
+                  <a:tcPr marL="91440" marR="91440" marT="45720" marB="45720" anchor="ctr">
+                    <a:lnL w="12700" cap="flat" cmpd="sng" algn="ctr">
+                      <a:solidFill>
+                        <a:srgbClr val="CCCCCC"/>
+                      </a:solidFill>
+                      <a:prstDash val="solid"/>
+                      <a:round/>
+                      <a:headEnd type="none" w="med" len="med"/>
+                      <a:tailEnd type="none" w="med" len="med"/>
+                    </a:lnL>
+                    <a:lnR w="12700" cap="flat" cmpd="sng" algn="ctr">
+                      <a:solidFill>
+                        <a:srgbClr val="CCCCCC"/>
+                      </a:solidFill>
+                      <a:prstDash val="solid"/>
+                      <a:round/>
+                      <a:headEnd type="none" w="med" len="med"/>
+                      <a:tailEnd type="none" w="med" len="med"/>
+                    </a:lnR>
+                    <a:lnT w="12700" cap="flat" cmpd="sng" algn="ctr">
+                      <a:solidFill>
+                        <a:srgbClr val="CCCCCC"/>
+                      </a:solidFill>
+                      <a:prstDash val="solid"/>
+                      <a:round/>
+                      <a:headEnd type="none" w="med" len="med"/>
+                      <a:tailEnd type="none" w="med" len="med"/>
+                    </a:lnT>
+                    <a:lnB w="12700" cap="flat" cmpd="sng" algn="ctr">
+                      <a:solidFill>
+                        <a:srgbClr val="CCCCCC"/>
+                      </a:solidFill>
+                      <a:prstDash val="solid"/>
+                      <a:round/>
+                      <a:headEnd type="none" w="med" len="med"/>
+                      <a:tailEnd type="none" w="med" len="med"/>
+                    </a:lnB>
+                    <a:solidFill>
+                      <a:srgbClr val="FFFFFF"/>
+                    </a:solidFill>
+                  </a:tcPr>
+                </a:tc>
+                <a:tc>
+                  <a:txBody>
+                    <a:bodyPr/>
+                    <a:lstStyle/>
+                    <a:p>
+                      <a:pPr algn="l" indent="0" marL="0">
+                        <a:buNone/>
+                      </a:pPr>
+                      <a:r>
+                        <a:rPr lang="en-US" sz="1100" b="1" dirty="0">
+                          <a:solidFill>
+                            <a:srgbClr val="000000"/>
+                          </a:solidFill>
+                        </a:rPr>
+                        <a:t>Discussion</a:t>
+                      </a:r>
+                      <a:endParaRPr lang="en-US" sz="1100" dirty="0"/>
+                    </a:p>
+                  </a:txBody>
+                  <a:tcPr marL="91440" marR="91440" marT="45720" marB="45720" anchor="ctr">
+                    <a:lnL w="12700" cap="flat" cmpd="sng" algn="ctr">
+                      <a:solidFill>
+                        <a:srgbClr val="CCCCCC"/>
+                      </a:solidFill>
+                      <a:prstDash val="solid"/>
+                      <a:round/>
+                      <a:headEnd type="none" w="med" len="med"/>
+                      <a:tailEnd type="none" w="med" len="med"/>
+                    </a:lnL>
+                    <a:lnR w="12700" cap="flat" cmpd="sng" algn="ctr">
+                      <a:solidFill>
+                        <a:srgbClr val="CCCCCC"/>
+                      </a:solidFill>
+                      <a:prstDash val="solid"/>
+                      <a:round/>
+                      <a:headEnd type="none" w="med" len="med"/>
+                      <a:tailEnd type="none" w="med" len="med"/>
+                    </a:lnR>
+                    <a:lnT w="12700" cap="flat" cmpd="sng" algn="ctr">
+                      <a:solidFill>
+                        <a:srgbClr val="CCCCCC"/>
+                      </a:solidFill>
+                      <a:prstDash val="solid"/>
+                      <a:round/>
+                      <a:headEnd type="none" w="med" len="med"/>
+                      <a:tailEnd type="none" w="med" len="med"/>
+                    </a:lnT>
+                    <a:lnB w="12700" cap="flat" cmpd="sng" algn="ctr">
+                      <a:solidFill>
+                        <a:srgbClr val="CCCCCC"/>
+                      </a:solidFill>
+                      <a:prstDash val="solid"/>
+                      <a:round/>
+                      <a:headEnd type="none" w="med" len="med"/>
+                      <a:tailEnd type="none" w="med" len="med"/>
+                    </a:lnB>
+                    <a:solidFill>
+                      <a:srgbClr val="FFFFFF"/>
+                    </a:solidFill>
+                  </a:tcPr>
+                </a:tc>
+                <a:tc>
+                  <a:txBody>
+                    <a:bodyPr/>
+                    <a:lstStyle/>
+                    <a:p>
+                      <a:pPr algn="l" indent="0" marL="0">
+                        <a:buNone/>
+                      </a:pPr>
+                      <a:r>
+                        <a:rPr lang="en-US" sz="1100" dirty="0">
+                          <a:solidFill>
+                            <a:srgbClr val="000000"/>
+                          </a:solidFill>
+                        </a:rPr>
+                        <a:t>Group coordination</a:t>
+                      </a:r>
+                      <a:endParaRPr lang="en-US" sz="1100" dirty="0"/>
+                    </a:p>
+                  </a:txBody>
+                  <a:tcPr marL="91440" marR="91440" marT="45720" marB="45720" anchor="ctr">
+                    <a:lnL w="12700" cap="flat" cmpd="sng" algn="ctr">
+                      <a:solidFill>
+                        <a:srgbClr val="CCCCCC"/>
+                      </a:solidFill>
+                      <a:prstDash val="solid"/>
+                      <a:round/>
+                      <a:headEnd type="none" w="med" len="med"/>
+                      <a:tailEnd type="none" w="med" len="med"/>
+                    </a:lnL>
+                    <a:lnR w="12700" cap="flat" cmpd="sng" algn="ctr">
+                      <a:solidFill>
+                        <a:srgbClr val="CCCCCC"/>
+                      </a:solidFill>
+                      <a:prstDash val="solid"/>
+                      <a:round/>
+                      <a:headEnd type="none" w="med" len="med"/>
+                      <a:tailEnd type="none" w="med" len="med"/>
+                    </a:lnR>
+                    <a:lnT w="12700" cap="flat" cmpd="sng" algn="ctr">
+                      <a:solidFill>
+                        <a:srgbClr val="CCCCCC"/>
+                      </a:solidFill>
+                      <a:prstDash val="solid"/>
+                      <a:round/>
+                      <a:headEnd type="none" w="med" len="med"/>
+                      <a:tailEnd type="none" w="med" len="med"/>
+                    </a:lnT>
+                    <a:lnB w="12700" cap="flat" cmpd="sng" algn="ctr">
+                      <a:solidFill>
+                        <a:srgbClr val="CCCCCC"/>
+                      </a:solidFill>
+                      <a:prstDash val="solid"/>
+                      <a:round/>
+                      <a:headEnd type="none" w="med" len="med"/>
+                      <a:tailEnd type="none" w="med" len="med"/>
+                    </a:lnB>
+                    <a:solidFill>
+                      <a:srgbClr val="FFFFFF"/>
+                    </a:solidFill>
+                  </a:tcPr>
+                </a:tc>
+              </a:tr>
+              <a:tr h="399136">
+                <a:tc>
+                  <a:txBody>
+                    <a:bodyPr/>
+                    <a:lstStyle/>
+                    <a:p>
+                      <a:pPr algn="l" indent="0" marL="0">
+                        <a:buNone/>
+                      </a:pPr>
+                      <a:r>
+                        <a:rPr lang="en-US" sz="1100" dirty="0">
+                          <a:solidFill>
+                            <a:srgbClr val="000000"/>
+                          </a:solidFill>
+                        </a:rPr>
+                        <a:t>"PR ready for review"</a:t>
+                      </a:r>
+                      <a:endParaRPr lang="en-US" sz="1100" dirty="0"/>
+                    </a:p>
+                  </a:txBody>
+                  <a:tcPr marL="91440" marR="91440" marT="45720" marB="45720" anchor="ctr">
+                    <a:lnL w="12700" cap="flat" cmpd="sng" algn="ctr">
+                      <a:solidFill>
+                        <a:srgbClr val="CCCCCC"/>
+                      </a:solidFill>
+                      <a:prstDash val="solid"/>
+                      <a:round/>
+                      <a:headEnd type="none" w="med" len="med"/>
+                      <a:tailEnd type="none" w="med" len="med"/>
+                    </a:lnL>
+                    <a:lnR w="12700" cap="flat" cmpd="sng" algn="ctr">
+                      <a:solidFill>
+                        <a:srgbClr val="CCCCCC"/>
+                      </a:solidFill>
+                      <a:prstDash val="solid"/>
+                      <a:round/>
+                      <a:headEnd type="none" w="med" len="med"/>
+                      <a:tailEnd type="none" w="med" len="med"/>
+                    </a:lnR>
+                    <a:lnT w="12700" cap="flat" cmpd="sng" algn="ctr">
+                      <a:solidFill>
+                        <a:srgbClr val="CCCCCC"/>
+                      </a:solidFill>
+                      <a:prstDash val="solid"/>
+                      <a:round/>
+                      <a:headEnd type="none" w="med" len="med"/>
+                      <a:tailEnd type="none" w="med" len="med"/>
+                    </a:lnT>
+                    <a:lnB w="12700" cap="flat" cmpd="sng" algn="ctr">
+                      <a:solidFill>
+                        <a:srgbClr val="CCCCCC"/>
+                      </a:solidFill>
+                      <a:prstDash val="solid"/>
+                      <a:round/>
+                      <a:headEnd type="none" w="med" len="med"/>
+                      <a:tailEnd type="none" w="med" len="med"/>
+                    </a:lnB>
+                    <a:solidFill>
+                      <a:srgbClr val="F4F1DE"/>
+                    </a:solidFill>
+                  </a:tcPr>
+                </a:tc>
+                <a:tc>
+                  <a:txBody>
+                    <a:bodyPr/>
+                    <a:lstStyle/>
+                    <a:p>
+                      <a:pPr algn="l" indent="0" marL="0">
+                        <a:buNone/>
+                      </a:pPr>
+                      <a:r>
+                        <a:rPr lang="en-US" sz="1100" b="1" dirty="0">
+                          <a:solidFill>
+                            <a:srgbClr val="000000"/>
+                          </a:solidFill>
+                        </a:rPr>
+                        <a:t>@mention</a:t>
+                      </a:r>
+                      <a:endParaRPr lang="en-US" sz="1100" dirty="0"/>
+                    </a:p>
+                  </a:txBody>
+                  <a:tcPr marL="91440" marR="91440" marT="45720" marB="45720" anchor="ctr">
+                    <a:lnL w="12700" cap="flat" cmpd="sng" algn="ctr">
+                      <a:solidFill>
+                        <a:srgbClr val="CCCCCC"/>
+                      </a:solidFill>
+                      <a:prstDash val="solid"/>
+                      <a:round/>
+                      <a:headEnd type="none" w="med" len="med"/>
+                      <a:tailEnd type="none" w="med" len="med"/>
+                    </a:lnL>
+                    <a:lnR w="12700" cap="flat" cmpd="sng" algn="ctr">
+                      <a:solidFill>
+                        <a:srgbClr val="CCCCCC"/>
+                      </a:solidFill>
+                      <a:prstDash val="solid"/>
+                      <a:round/>
+                      <a:headEnd type="none" w="med" len="med"/>
+                      <a:tailEnd type="none" w="med" len="med"/>
+                    </a:lnR>
+                    <a:lnT w="12700" cap="flat" cmpd="sng" algn="ctr">
+                      <a:solidFill>
+                        <a:srgbClr val="CCCCCC"/>
+                      </a:solidFill>
+                      <a:prstDash val="solid"/>
+                      <a:round/>
+                      <a:headEnd type="none" w="med" len="med"/>
+                      <a:tailEnd type="none" w="med" len="med"/>
+                    </a:lnT>
+                    <a:lnB w="12700" cap="flat" cmpd="sng" algn="ctr">
+                      <a:solidFill>
+                        <a:srgbClr val="CCCCCC"/>
+                      </a:solidFill>
+                      <a:prstDash val="solid"/>
+                      <a:round/>
+                      <a:headEnd type="none" w="med" len="med"/>
+                      <a:tailEnd type="none" w="med" len="med"/>
+                    </a:lnB>
+                    <a:solidFill>
+                      <a:srgbClr val="F4F1DE"/>
+                    </a:solidFill>
+                  </a:tcPr>
+                </a:tc>
+                <a:tc>
+                  <a:txBody>
+                    <a:bodyPr/>
+                    <a:lstStyle/>
+                    <a:p>
+                      <a:pPr algn="l" indent="0" marL="0">
+                        <a:buNone/>
+                      </a:pPr>
+                      <a:r>
+                        <a:rPr lang="en-US" sz="1100" dirty="0">
+                          <a:solidFill>
+                            <a:srgbClr val="000000"/>
+                          </a:solidFill>
+                        </a:rPr>
+                        <a:t>Reviewer's attention</a:t>
+                      </a:r>
+                      <a:endParaRPr lang="en-US" sz="1100" dirty="0"/>
+                    </a:p>
+                  </a:txBody>
+                  <a:tcPr marL="91440" marR="91440" marT="45720" marB="45720" anchor="ctr">
+                    <a:lnL w="12700" cap="flat" cmpd="sng" algn="ctr">
+                      <a:solidFill>
+                        <a:srgbClr val="CCCCCC"/>
+                      </a:solidFill>
+                      <a:prstDash val="solid"/>
+                      <a:round/>
+                      <a:headEnd type="none" w="med" len="med"/>
+                      <a:tailEnd type="none" w="med" len="med"/>
+                    </a:lnL>
+                    <a:lnR w="12700" cap="flat" cmpd="sng" algn="ctr">
+                      <a:solidFill>
+                        <a:srgbClr val="CCCCCC"/>
+                      </a:solidFill>
+                      <a:prstDash val="solid"/>
+                      <a:round/>
+                      <a:headEnd type="none" w="med" len="med"/>
+                      <a:tailEnd type="none" w="med" len="med"/>
+                    </a:lnR>
+                    <a:lnT w="12700" cap="flat" cmpd="sng" algn="ctr">
+                      <a:solidFill>
+                        <a:srgbClr val="CCCCCC"/>
+                      </a:solidFill>
+                      <a:prstDash val="solid"/>
+                      <a:round/>
+                      <a:headEnd type="none" w="med" len="med"/>
+                      <a:tailEnd type="none" w="med" len="med"/>
+                    </a:lnT>
+                    <a:lnB w="12700" cap="flat" cmpd="sng" algn="ctr">
+                      <a:solidFill>
+                        <a:srgbClr val="CCCCCC"/>
+                      </a:solidFill>
+                      <a:prstDash val="solid"/>
+                      <a:round/>
+                      <a:headEnd type="none" w="med" len="med"/>
+                      <a:tailEnd type="none" w="med" len="med"/>
+                    </a:lnB>
+                    <a:solidFill>
+                      <a:srgbClr val="F4F1DE"/>
+                    </a:solidFill>
+                  </a:tcPr>
+                </a:tc>
+              </a:tr>
+              <a:tr h="399136">
+                <a:tc>
+                  <a:txBody>
+                    <a:bodyPr/>
+                    <a:lstStyle/>
+                    <a:p>
+                      <a:pPr algn="l" indent="0" marL="0">
+                        <a:buNone/>
+                      </a:pPr>
+                      <a:r>
+                        <a:rPr lang="en-US" sz="1100" dirty="0">
+                          <a:solidFill>
+                            <a:srgbClr val="000000"/>
+                          </a:solidFill>
+                        </a:rPr>
+                        <a:t>Stay up to date</a:t>
+                      </a:r>
+                      <a:endParaRPr lang="en-US" sz="1100" dirty="0"/>
+                    </a:p>
+                  </a:txBody>
+                  <a:tcPr marL="91440" marR="91440" marT="45720" marB="45720" anchor="ctr">
+                    <a:lnL w="12700" cap="flat" cmpd="sng" algn="ctr">
+                      <a:solidFill>
+                        <a:srgbClr val="CCCCCC"/>
+                      </a:solidFill>
+                      <a:prstDash val="solid"/>
+                      <a:round/>
+                      <a:headEnd type="none" w="med" len="med"/>
+                      <a:tailEnd type="none" w="med" len="med"/>
+                    </a:lnL>
+                    <a:lnR w="12700" cap="flat" cmpd="sng" algn="ctr">
+                      <a:solidFill>
+                        <a:srgbClr val="CCCCCC"/>
+                      </a:solidFill>
+                      <a:prstDash val="solid"/>
+                      <a:round/>
+                      <a:headEnd type="none" w="med" len="med"/>
+                      <a:tailEnd type="none" w="med" len="med"/>
+                    </a:lnR>
+                    <a:lnT w="12700" cap="flat" cmpd="sng" algn="ctr">
+                      <a:solidFill>
+                        <a:srgbClr val="CCCCCC"/>
+                      </a:solidFill>
+                      <a:prstDash val="solid"/>
+                      <a:round/>
+                      <a:headEnd type="none" w="med" len="med"/>
+                      <a:tailEnd type="none" w="med" len="med"/>
+                    </a:lnT>
+                    <a:lnB w="12700" cap="flat" cmpd="sng" algn="ctr">
+                      <a:solidFill>
+                        <a:srgbClr val="CCCCCC"/>
+                      </a:solidFill>
+                      <a:prstDash val="solid"/>
+                      <a:round/>
+                      <a:headEnd type="none" w="med" len="med"/>
+                      <a:tailEnd type="none" w="med" len="med"/>
+                    </a:lnB>
+                    <a:solidFill>
+                      <a:srgbClr val="FFFFFF"/>
+                    </a:solidFill>
+                  </a:tcPr>
+                </a:tc>
+                <a:tc>
+                  <a:txBody>
+                    <a:bodyPr/>
+                    <a:lstStyle/>
+                    <a:p>
+                      <a:pPr algn="l" indent="0" marL="0">
+                        <a:buNone/>
+                      </a:pPr>
+                      <a:r>
+                        <a:rPr lang="en-US" sz="1100" b="1" dirty="0">
+                          <a:solidFill>
+                            <a:srgbClr val="000000"/>
+                          </a:solidFill>
+                        </a:rPr>
+                        <a:t>Watch</a:t>
+                      </a:r>
+                      <a:endParaRPr lang="en-US" sz="1100" dirty="0"/>
+                    </a:p>
+                  </a:txBody>
+                  <a:tcPr marL="91440" marR="91440" marT="45720" marB="45720" anchor="ctr">
+                    <a:lnL w="12700" cap="flat" cmpd="sng" algn="ctr">
+                      <a:solidFill>
+                        <a:srgbClr val="CCCCCC"/>
+                      </a:solidFill>
+                      <a:prstDash val="solid"/>
+                      <a:round/>
+                      <a:headEnd type="none" w="med" len="med"/>
+                      <a:tailEnd type="none" w="med" len="med"/>
+                    </a:lnL>
+                    <a:lnR w="12700" cap="flat" cmpd="sng" algn="ctr">
+                      <a:solidFill>
+                        <a:srgbClr val="CCCCCC"/>
+                      </a:solidFill>
+                      <a:prstDash val="solid"/>
+                      <a:round/>
+                      <a:headEnd type="none" w="med" len="med"/>
+                      <a:tailEnd type="none" w="med" len="med"/>
+                    </a:lnR>
+                    <a:lnT w="12700" cap="flat" cmpd="sng" algn="ctr">
+                      <a:solidFill>
+                        <a:srgbClr val="CCCCCC"/>
+                      </a:solidFill>
+                      <a:prstDash val="solid"/>
+                      <a:round/>
+                      <a:headEnd type="none" w="med" len="med"/>
+                      <a:tailEnd type="none" w="med" len="med"/>
+                    </a:lnT>
+                    <a:lnB w="12700" cap="flat" cmpd="sng" algn="ctr">
+                      <a:solidFill>
+                        <a:srgbClr val="CCCCCC"/>
+                      </a:solidFill>
+                      <a:prstDash val="solid"/>
+                      <a:round/>
+                      <a:headEnd type="none" w="med" len="med"/>
+                      <a:tailEnd type="none" w="med" len="med"/>
+                    </a:lnB>
+                    <a:solidFill>
+                      <a:srgbClr val="FFFFFF"/>
+                    </a:solidFill>
+                  </a:tcPr>
+                </a:tc>
+                <a:tc>
+                  <a:txBody>
+                    <a:bodyPr/>
+                    <a:lstStyle/>
+                    <a:p>
+                      <a:pPr algn="l" indent="0" marL="0">
+                        <a:buNone/>
+                      </a:pPr>
+                      <a:r>
+                        <a:rPr lang="en-US" sz="1100" dirty="0">
+                          <a:solidFill>
+                            <a:srgbClr val="000000"/>
+                          </a:solidFill>
+                        </a:rPr>
+                        <a:t>Automatic notifications</a:t>
+                      </a:r>
+                      <a:endParaRPr lang="en-US" sz="1100" dirty="0"/>
+                    </a:p>
+                  </a:txBody>
+                  <a:tcPr marL="91440" marR="91440" marT="45720" marB="45720" anchor="ctr">
+                    <a:lnL w="12700" cap="flat" cmpd="sng" algn="ctr">
+                      <a:solidFill>
+                        <a:srgbClr val="CCCCCC"/>
+                      </a:solidFill>
+                      <a:prstDash val="solid"/>
+                      <a:round/>
+                      <a:headEnd type="none" w="med" len="med"/>
+                      <a:tailEnd type="none" w="med" len="med"/>
+                    </a:lnL>
+                    <a:lnR w="12700" cap="flat" cmpd="sng" algn="ctr">
+                      <a:solidFill>
+                        <a:srgbClr val="CCCCCC"/>
+                      </a:solidFill>
+                      <a:prstDash val="solid"/>
+                      <a:round/>
+                      <a:headEnd type="none" w="med" len="med"/>
+                      <a:tailEnd type="none" w="med" len="med"/>
+                    </a:lnR>
+                    <a:lnT w="12700" cap="flat" cmpd="sng" algn="ctr">
+                      <a:solidFill>
+                        <a:srgbClr val="CCCCCC"/>
+                      </a:solidFill>
+                      <a:prstDash val="solid"/>
+                      <a:round/>
+                      <a:headEnd type="none" w="med" len="med"/>
+                      <a:tailEnd type="none" w="med" len="med"/>
+                    </a:lnT>
+                    <a:lnB w="12700" cap="flat" cmpd="sng" algn="ctr">
+                      <a:solidFill>
+                        <a:srgbClr val="CCCCCC"/>
+                      </a:solidFill>
+                      <a:prstDash val="solid"/>
+                      <a:round/>
+                      <a:headEnd type="none" w="med" len="med"/>
+                      <a:tailEnd type="none" w="med" len="med"/>
+                    </a:lnB>
+                    <a:solidFill>
+                      <a:srgbClr val="FFFFFF"/>
+                    </a:solidFill>
+                  </a:tcPr>
+                </a:tc>
+              </a:tr>
+            </a:tbl>
+          </a:graphicData>
+        </a:graphic>
+      </p:graphicFrame>
     </p:spTree>
   </p:cSld>
   <p:clrMapOvr>
@@ -6554,7 +9293,7 @@
         <p:spPr>
           <a:xfrm>
             <a:off x="355550" y="1091952"/>
-            <a:ext cx="8601557" cy="274141"/>
+            <a:ext cx="8601557" cy="308521"/>
           </a:xfrm>
           <a:prstGeom prst="rect">
             <a:avLst/>
@@ -6568,7 +9307,7 @@
           <a:p>
             <a:pPr algn="l" indent="0" marL="0">
               <a:lnSpc>
-                <a:spcPts val="2160"/>
+                <a:spcPts val="2430"/>
               </a:lnSpc>
               <a:spcBef>
                 <a:spcPts val="200"/>
@@ -6579,7 +9318,7 @@
               <a:buNone/>
             </a:pPr>
             <a:r>
-              <a:rPr lang="en-US" sz="1600" b="1" dirty="0">
+              <a:rPr lang="en-US" sz="1800" b="1" dirty="0">
                 <a:solidFill>
                   <a:srgbClr val="2C2C2C"/>
                 </a:solidFill>
@@ -6589,7 +9328,7 @@
               </a:rPr>
               <a:t>Step 1: Watch the repository</a:t>
             </a:r>
-            <a:endParaRPr lang="en-US" sz="1600" dirty="0"/>
+            <a:endParaRPr lang="en-US" sz="1800" dirty="0"/>
           </a:p>
         </p:txBody>
       </p:sp>
@@ -6601,8 +9340,8 @@
         </p:nvSpPr>
         <p:spPr>
           <a:xfrm>
-            <a:off x="355550" y="1416695"/>
-            <a:ext cx="8432899" cy="545753"/>
+            <a:off x="355550" y="1451074"/>
+            <a:ext cx="8432899" cy="609451"/>
           </a:xfrm>
           <a:prstGeom prst="rect">
             <a:avLst/>
@@ -6616,7 +9355,7 @@
           <a:p>
             <a:pPr algn="l" marL="165100" indent="-165100">
               <a:lnSpc>
-                <a:spcPts val="2000"/>
+                <a:spcPts val="2250"/>
               </a:lnSpc>
               <a:spcAft>
                 <a:spcPts val="100"/>
@@ -6625,7 +9364,7 @@
               <a:buChar char="•"/>
             </a:pPr>
             <a:r>
-              <a:rPr lang="en-US" sz="1600" dirty="0">
+              <a:rPr lang="en-US" sz="1800" dirty="0">
                 <a:solidFill>
                   <a:srgbClr val="2C2C2C"/>
                 </a:solidFill>
@@ -6635,12 +9374,12 @@
               </a:rPr>
               <a:t>Go to the demo farm repository</a:t>
             </a:r>
-            <a:endParaRPr lang="en-US" sz="1600" dirty="0"/>
+            <a:endParaRPr lang="en-US" sz="1800" dirty="0"/>
           </a:p>
           <a:p>
             <a:pPr algn="l" marL="165100" indent="-165100">
               <a:lnSpc>
-                <a:spcPts val="2000"/>
+                <a:spcPts val="2250"/>
               </a:lnSpc>
               <a:spcAft>
                 <a:spcPts val="100"/>
@@ -6649,7 +9388,7 @@
               <a:buChar char="•"/>
             </a:pPr>
             <a:r>
-              <a:rPr lang="en-US" sz="1600" dirty="0">
+              <a:rPr lang="en-US" sz="1800" dirty="0">
                 <a:solidFill>
                   <a:srgbClr val="2C2C2C"/>
                 </a:solidFill>
@@ -6661,7 +9400,7 @@
             </a:r>
             <a:pPr algn="l" indent="0" marL="0">
               <a:lnSpc>
-                <a:spcPts val="2000"/>
+                <a:spcPts val="2250"/>
               </a:lnSpc>
               <a:spcAft>
                 <a:spcPts val="100"/>
@@ -6669,7 +9408,7 @@
               <a:buNone/>
             </a:pPr>
             <a:r>
-              <a:rPr lang="en-US" sz="1600" b="1" dirty="0">
+              <a:rPr lang="en-US" sz="1800" b="1" dirty="0">
                 <a:solidFill>
                   <a:srgbClr val="2C2C2C"/>
                 </a:solidFill>
@@ -6681,7 +9420,7 @@
             </a:r>
             <a:pPr algn="l" indent="0" marL="0">
               <a:lnSpc>
-                <a:spcPts val="2000"/>
+                <a:spcPts val="2250"/>
               </a:lnSpc>
               <a:spcAft>
                 <a:spcPts val="100"/>
@@ -6689,7 +9428,7 @@
               <a:buNone/>
             </a:pPr>
             <a:r>
-              <a:rPr lang="en-US" sz="1600" dirty="0">
+              <a:rPr lang="en-US" sz="1800" dirty="0">
                 <a:solidFill>
                   <a:srgbClr val="2C2C2C"/>
                 </a:solidFill>
@@ -6701,7 +9440,7 @@
             </a:r>
             <a:pPr algn="l" indent="0" marL="0">
               <a:lnSpc>
-                <a:spcPts val="2000"/>
+                <a:spcPts val="2250"/>
               </a:lnSpc>
               <a:spcAft>
                 <a:spcPts val="100"/>
@@ -6709,7 +9448,7 @@
               <a:buNone/>
             </a:pPr>
             <a:r>
-              <a:rPr lang="en-US" sz="1600" b="1" dirty="0">
+              <a:rPr lang="en-US" sz="1800" b="1" dirty="0">
                 <a:solidFill>
                   <a:srgbClr val="2C2C2C"/>
                 </a:solidFill>
@@ -6719,7 +9458,7 @@
               </a:rPr>
               <a:t>"All Activity"</a:t>
             </a:r>
-            <a:endParaRPr lang="en-US" sz="1600" dirty="0"/>
+            <a:endParaRPr lang="en-US" sz="1800" dirty="0"/>
           </a:p>
         </p:txBody>
       </p:sp>
@@ -6731,8 +9470,8 @@
         </p:nvSpPr>
         <p:spPr>
           <a:xfrm>
-            <a:off x="355550" y="2013049"/>
-            <a:ext cx="8601557" cy="274141"/>
+            <a:off x="355550" y="2111127"/>
+            <a:ext cx="8601557" cy="308521"/>
           </a:xfrm>
           <a:prstGeom prst="rect">
             <a:avLst/>
@@ -6746,7 +9485,7 @@
           <a:p>
             <a:pPr algn="l" indent="0" marL="0">
               <a:lnSpc>
-                <a:spcPts val="2160"/>
+                <a:spcPts val="2430"/>
               </a:lnSpc>
               <a:spcBef>
                 <a:spcPts val="200"/>
@@ -6757,7 +9496,7 @@
               <a:buNone/>
             </a:pPr>
             <a:r>
-              <a:rPr lang="en-US" sz="1600" b="1" dirty="0">
+              <a:rPr lang="en-US" sz="1800" b="1" dirty="0">
                 <a:solidFill>
                   <a:srgbClr val="2C2C2C"/>
                 </a:solidFill>
@@ -6767,7 +9506,7 @@
               </a:rPr>
               <a:t>Step 2: @mention your partner</a:t>
             </a:r>
-            <a:endParaRPr lang="en-US" sz="1600" dirty="0"/>
+            <a:endParaRPr lang="en-US" sz="1800" dirty="0"/>
           </a:p>
         </p:txBody>
       </p:sp>
@@ -6779,8 +9518,8 @@
         </p:nvSpPr>
         <p:spPr>
           <a:xfrm>
-            <a:off x="355550" y="2337792"/>
-            <a:ext cx="8432899" cy="812304"/>
+            <a:off x="355550" y="2470249"/>
+            <a:ext cx="8432899" cy="907852"/>
           </a:xfrm>
           <a:prstGeom prst="rect">
             <a:avLst/>
@@ -6794,7 +9533,7 @@
           <a:p>
             <a:pPr algn="l" marL="165100" indent="-165100">
               <a:lnSpc>
-                <a:spcPts val="2000"/>
+                <a:spcPts val="2250"/>
               </a:lnSpc>
               <a:spcAft>
                 <a:spcPts val="100"/>
@@ -6803,7 +9542,7 @@
               <a:buChar char="•"/>
             </a:pPr>
             <a:r>
-              <a:rPr lang="en-US" sz="1600" dirty="0">
+              <a:rPr lang="en-US" sz="1800" dirty="0">
                 <a:solidFill>
                   <a:srgbClr val="2C2C2C"/>
                 </a:solidFill>
@@ -6813,12 +9552,12 @@
               </a:rPr>
               <a:t>Open any existing Issue, scroll to the comment box</a:t>
             </a:r>
-            <a:endParaRPr lang="en-US" sz="1600" dirty="0"/>
+            <a:endParaRPr lang="en-US" sz="1800" dirty="0"/>
           </a:p>
           <a:p>
             <a:pPr algn="l" marL="165100" indent="-165100">
               <a:lnSpc>
-                <a:spcPts val="2000"/>
+                <a:spcPts val="2250"/>
               </a:lnSpc>
               <a:spcAft>
                 <a:spcPts val="100"/>
@@ -6827,7 +9566,7 @@
               <a:buChar char="•"/>
             </a:pPr>
             <a:r>
-              <a:rPr lang="en-US" sz="1600" dirty="0">
+              <a:rPr lang="en-US" sz="1800" dirty="0">
                 <a:solidFill>
                   <a:srgbClr val="2C2C2C"/>
                 </a:solidFill>
@@ -6837,12 +9576,12 @@
               </a:rPr>
               <a:t>Type: "@[partner] What do you think about this task?"</a:t>
             </a:r>
-            <a:endParaRPr lang="en-US" sz="1600" dirty="0"/>
+            <a:endParaRPr lang="en-US" sz="1800" dirty="0"/>
           </a:p>
           <a:p>
             <a:pPr algn="l" marL="165100" indent="-165100">
               <a:lnSpc>
-                <a:spcPts val="2000"/>
+                <a:spcPts val="2250"/>
               </a:lnSpc>
               <a:spcAft>
                 <a:spcPts val="100"/>
@@ -6851,7 +9590,7 @@
               <a:buChar char="•"/>
             </a:pPr>
             <a:r>
-              <a:rPr lang="en-US" sz="1600" dirty="0">
+              <a:rPr lang="en-US" sz="1800" dirty="0">
                 <a:solidFill>
                   <a:srgbClr val="2C2C2C"/>
                 </a:solidFill>
@@ -6863,7 +9602,7 @@
             </a:r>
             <a:pPr algn="l" indent="0" marL="0">
               <a:lnSpc>
-                <a:spcPts val="2000"/>
+                <a:spcPts val="2250"/>
               </a:lnSpc>
               <a:spcAft>
                 <a:spcPts val="100"/>
@@ -6871,7 +9610,7 @@
               <a:buNone/>
             </a:pPr>
             <a:r>
-              <a:rPr lang="en-US" sz="1600" b="1" dirty="0">
+              <a:rPr lang="en-US" sz="1800" b="1" dirty="0">
                 <a:solidFill>
                   <a:srgbClr val="2C2C2C"/>
                 </a:solidFill>
@@ -6881,7 +9620,7 @@
               </a:rPr>
               <a:t>"Comment"</a:t>
             </a:r>
-            <a:endParaRPr lang="en-US" sz="1600" dirty="0"/>
+            <a:endParaRPr lang="en-US" sz="1800" dirty="0"/>
           </a:p>
         </p:txBody>
       </p:sp>
@@ -6893,8 +9632,8 @@
         </p:nvSpPr>
         <p:spPr>
           <a:xfrm>
-            <a:off x="355550" y="3200698"/>
-            <a:ext cx="8601557" cy="274141"/>
+            <a:off x="355550" y="3428702"/>
+            <a:ext cx="8601557" cy="308521"/>
           </a:xfrm>
           <a:prstGeom prst="rect">
             <a:avLst/>
@@ -6908,7 +9647,7 @@
           <a:p>
             <a:pPr algn="l" indent="0" marL="0">
               <a:lnSpc>
-                <a:spcPts val="2160"/>
+                <a:spcPts val="2430"/>
               </a:lnSpc>
               <a:spcBef>
                 <a:spcPts val="200"/>
@@ -6919,7 +9658,7 @@
               <a:buNone/>
             </a:pPr>
             <a:r>
-              <a:rPr lang="en-US" sz="1600" b="1" dirty="0">
+              <a:rPr lang="en-US" sz="1800" b="1" dirty="0">
                 <a:solidFill>
                   <a:srgbClr val="2C2C2C"/>
                 </a:solidFill>
@@ -6929,7 +9668,7 @@
               </a:rPr>
               <a:t>Step 3: Check your notifications</a:t>
             </a:r>
-            <a:endParaRPr lang="en-US" sz="1600" dirty="0"/>
+            <a:endParaRPr lang="en-US" sz="1800" dirty="0"/>
           </a:p>
         </p:txBody>
       </p:sp>
@@ -6941,8 +9680,8 @@
         </p:nvSpPr>
         <p:spPr>
           <a:xfrm>
-            <a:off x="355550" y="3525441"/>
-            <a:ext cx="8432899" cy="279202"/>
+            <a:off x="355550" y="3787825"/>
+            <a:ext cx="8432899" cy="311051"/>
           </a:xfrm>
           <a:prstGeom prst="rect">
             <a:avLst/>
@@ -6956,7 +9695,7 @@
           <a:p>
             <a:pPr algn="l" marL="165100" indent="-165100">
               <a:lnSpc>
-                <a:spcPts val="2000"/>
+                <a:spcPts val="2250"/>
               </a:lnSpc>
               <a:spcAft>
                 <a:spcPts val="100"/>
@@ -6965,7 +9704,7 @@
               <a:buChar char="•"/>
             </a:pPr>
             <a:r>
-              <a:rPr lang="en-US" sz="1600" dirty="0">
+              <a:rPr lang="en-US" sz="1800" dirty="0">
                 <a:solidFill>
                   <a:srgbClr val="2C2C2C"/>
                 </a:solidFill>
@@ -6977,7 +9716,7 @@
             </a:r>
             <a:pPr algn="l" indent="0" marL="0">
               <a:lnSpc>
-                <a:spcPts val="2000"/>
+                <a:spcPts val="2250"/>
               </a:lnSpc>
               <a:spcAft>
                 <a:spcPts val="100"/>
@@ -6985,7 +9724,7 @@
               <a:buNone/>
             </a:pPr>
             <a:r>
-              <a:rPr lang="en-US" sz="1600" b="1" dirty="0">
+              <a:rPr lang="en-US" sz="1800" b="1" dirty="0">
                 <a:solidFill>
                   <a:srgbClr val="2C2C2C"/>
                 </a:solidFill>
@@ -6997,7 +9736,7 @@
             </a:r>
             <a:pPr algn="l" indent="0" marL="0">
               <a:lnSpc>
-                <a:spcPts val="2000"/>
+                <a:spcPts val="2250"/>
               </a:lnSpc>
               <a:spcAft>
                 <a:spcPts val="100"/>
@@ -7005,7 +9744,7 @@
               <a:buNone/>
             </a:pPr>
             <a:r>
-              <a:rPr lang="en-US" sz="1600" dirty="0">
+              <a:rPr lang="en-US" sz="1800" dirty="0">
                 <a:solidFill>
                   <a:srgbClr val="2C2C2C"/>
                 </a:solidFill>
@@ -7015,7 +9754,7 @@
               </a:rPr>
               <a:t>, find your partner's notification</a:t>
             </a:r>
-            <a:endParaRPr lang="en-US" sz="1600" dirty="0"/>
+            <a:endParaRPr lang="en-US" sz="1800" dirty="0"/>
           </a:p>
         </p:txBody>
       </p:sp>
@@ -7027,7 +9766,7 @@
         </p:nvSpPr>
         <p:spPr>
           <a:xfrm>
-            <a:off x="355550" y="3931444"/>
+            <a:off x="355550" y="4225677"/>
             <a:ext cx="8432899" cy="527745"/>
           </a:xfrm>
           <a:prstGeom prst="rect">
@@ -7057,7 +9796,7 @@
         </p:nvSpPr>
         <p:spPr>
           <a:xfrm>
-            <a:off x="384125" y="3931444"/>
+            <a:off x="384125" y="4225677"/>
             <a:ext cx="0" cy="527745"/>
           </a:xfrm>
           <a:prstGeom prst="line">
@@ -7080,7 +9819,7 @@
         </p:nvSpPr>
         <p:spPr>
           <a:xfrm>
-            <a:off x="590401" y="4058245"/>
+            <a:off x="590401" y="4352479"/>
             <a:ext cx="8180755" cy="274141"/>
           </a:xfrm>
           <a:prstGeom prst="rect">
@@ -7957,7 +10696,7 @@
         <p:spPr>
           <a:xfrm>
             <a:off x="355550" y="1582489"/>
-            <a:ext cx="8432899" cy="1228874"/>
+            <a:ext cx="8432899" cy="1297335"/>
           </a:xfrm>
           <a:prstGeom prst="rect">
             <a:avLst/>
@@ -7971,7 +10710,7 @@
           <a:p>
             <a:pPr algn="l" marL="165100" indent="-165100">
               <a:lnSpc>
-                <a:spcPts val="2295"/>
+                <a:spcPts val="2430"/>
               </a:lnSpc>
               <a:spcAft>
                 <a:spcPts val="100"/>
@@ -7980,7 +10719,7 @@
               <a:buChar char="•"/>
             </a:pPr>
             <a:r>
-              <a:rPr lang="en-US" sz="1700" b="1" dirty="0">
+              <a:rPr lang="en-US" sz="1800" b="1" dirty="0">
                 <a:solidFill>
                   <a:srgbClr val="2C2C2C"/>
                 </a:solidFill>
@@ -7992,7 +10731,7 @@
             </a:r>
             <a:pPr algn="l" indent="0" marL="0">
               <a:lnSpc>
-                <a:spcPts val="2295"/>
+                <a:spcPts val="2430"/>
               </a:lnSpc>
               <a:spcAft>
                 <a:spcPts val="100"/>
@@ -8000,7 +10739,7 @@
               <a:buNone/>
             </a:pPr>
             <a:r>
-              <a:rPr lang="en-US" sz="1700" dirty="0">
+              <a:rPr lang="en-US" sz="1800" dirty="0">
                 <a:solidFill>
                   <a:srgbClr val="2C2C2C"/>
                 </a:solidFill>
@@ -8012,7 +10751,7 @@
             </a:r>
             <a:pPr algn="l" indent="0" marL="0">
               <a:lnSpc>
-                <a:spcPts val="2295"/>
+                <a:spcPts val="2430"/>
               </a:lnSpc>
               <a:spcAft>
                 <a:spcPts val="100"/>
@@ -8020,7 +10759,7 @@
               <a:buNone/>
             </a:pPr>
             <a:r>
-              <a:rPr lang="en-US" sz="1700" b="1" dirty="0">
+              <a:rPr lang="en-US" sz="1800" b="1" dirty="0">
                 <a:solidFill>
                   <a:srgbClr val="2C2C2C"/>
                 </a:solidFill>
@@ -8030,12 +10769,12 @@
               </a:rPr>
               <a:t>@mention a classmate</a:t>
             </a:r>
-            <a:endParaRPr lang="en-US" sz="1700" dirty="0"/>
+            <a:endParaRPr lang="en-US" sz="1800" dirty="0"/>
           </a:p>
           <a:p>
             <a:pPr algn="l" marL="165100" indent="-165100">
               <a:lnSpc>
-                <a:spcPts val="2295"/>
+                <a:spcPts val="2430"/>
               </a:lnSpc>
               <a:spcAft>
                 <a:spcPts val="100"/>
@@ -8044,7 +10783,7 @@
               <a:buChar char="•"/>
             </a:pPr>
             <a:r>
-              <a:rPr lang="en-US" sz="1700" b="1" dirty="0">
+              <a:rPr lang="en-US" sz="1800" b="1" dirty="0">
                 <a:solidFill>
                   <a:srgbClr val="2C2C2C"/>
                 </a:solidFill>
@@ -8054,12 +10793,12 @@
               </a:rPr>
               <a:t>Reply to someone's @mention</a:t>
             </a:r>
-            <a:endParaRPr lang="en-US" sz="1700" dirty="0"/>
+            <a:endParaRPr lang="en-US" sz="1800" dirty="0"/>
           </a:p>
           <a:p>
             <a:pPr algn="l" marL="165100" indent="-165100">
               <a:lnSpc>
-                <a:spcPts val="2295"/>
+                <a:spcPts val="2430"/>
               </a:lnSpc>
               <a:spcAft>
                 <a:spcPts val="100"/>
@@ -8068,7 +10807,7 @@
               <a:buChar char="•"/>
             </a:pPr>
             <a:r>
-              <a:rPr lang="en-US" sz="1700" b="1" dirty="0">
+              <a:rPr lang="en-US" sz="1800" b="1" dirty="0">
                 <a:solidFill>
                   <a:srgbClr val="2C2C2C"/>
                 </a:solidFill>
@@ -8080,7 +10819,7 @@
             </a:r>
             <a:pPr algn="l" indent="0" marL="0">
               <a:lnSpc>
-                <a:spcPts val="2295"/>
+                <a:spcPts val="2430"/>
               </a:lnSpc>
               <a:spcAft>
                 <a:spcPts val="100"/>
@@ -8088,7 +10827,7 @@
               <a:buNone/>
             </a:pPr>
             <a:r>
-              <a:rPr lang="en-US" sz="1700" dirty="0">
+              <a:rPr lang="en-US" sz="1800" dirty="0">
                 <a:solidFill>
                   <a:srgbClr val="2C2C2C"/>
                 </a:solidFill>
@@ -8098,12 +10837,12 @@
               </a:rPr>
               <a:t> (or reply to one)</a:t>
             </a:r>
-            <a:endParaRPr lang="en-US" sz="1700" dirty="0"/>
+            <a:endParaRPr lang="en-US" sz="1800" dirty="0"/>
           </a:p>
           <a:p>
             <a:pPr algn="l" marL="165100" indent="-165100">
               <a:lnSpc>
-                <a:spcPts val="2295"/>
+                <a:spcPts val="2430"/>
               </a:lnSpc>
               <a:spcAft>
                 <a:spcPts val="100"/>
@@ -8112,7 +10851,7 @@
               <a:buChar char="•"/>
             </a:pPr>
             <a:r>
-              <a:rPr lang="en-US" sz="1700" b="1" dirty="0">
+              <a:rPr lang="en-US" sz="1800" b="1" dirty="0">
                 <a:solidFill>
                   <a:srgbClr val="2C2C2C"/>
                 </a:solidFill>
@@ -8124,7 +10863,7 @@
             </a:r>
             <a:pPr algn="l" indent="0" marL="0">
               <a:lnSpc>
-                <a:spcPts val="2295"/>
+                <a:spcPts val="2430"/>
               </a:lnSpc>
               <a:spcAft>
                 <a:spcPts val="100"/>
@@ -8132,7 +10871,7 @@
               <a:buNone/>
             </a:pPr>
             <a:r>
-              <a:rPr lang="en-US" sz="1700" dirty="0">
+              <a:rPr lang="en-US" sz="1800" dirty="0">
                 <a:solidFill>
                   <a:srgbClr val="2C2C2C"/>
                 </a:solidFill>
@@ -8142,7 +10881,7 @@
               </a:rPr>
               <a:t> and handle notifications</a:t>
             </a:r>
-            <a:endParaRPr lang="en-US" sz="1700" dirty="0"/>
+            <a:endParaRPr lang="en-US" sz="1800" dirty="0"/>
           </a:p>
         </p:txBody>
       </p:sp>
@@ -8154,7 +10893,7 @@
         </p:nvSpPr>
         <p:spPr>
           <a:xfrm>
-            <a:off x="355550" y="2938165"/>
+            <a:off x="355550" y="3006626"/>
             <a:ext cx="8601557" cy="325636"/>
           </a:xfrm>
           <a:prstGeom prst="rect">
@@ -8202,12 +10941,12 @@
         </p:nvSpPr>
         <p:spPr>
           <a:xfrm>
-            <a:off x="355550" y="3377952"/>
-            <a:ext cx="2743200" cy="720923"/>
+            <a:off x="355550" y="3446413"/>
+            <a:ext cx="2743200" cy="789087"/>
           </a:xfrm>
           <a:prstGeom prst="roundRect">
             <a:avLst>
-              <a:gd name="adj" fmla="val 10570"/>
+              <a:gd name="adj" fmla="val 9657"/>
             </a:avLst>
           </a:prstGeom>
           <a:solidFill>
@@ -8234,7 +10973,7 @@
         </p:nvSpPr>
         <p:spPr>
           <a:xfrm>
-            <a:off x="355550" y="3397002"/>
+            <a:off x="355550" y="3465463"/>
             <a:ext cx="2743200" cy="0"/>
           </a:xfrm>
           <a:prstGeom prst="line">
@@ -8257,8 +10996,8 @@
         </p:nvSpPr>
         <p:spPr>
           <a:xfrm>
-            <a:off x="457051" y="3504754"/>
-            <a:ext cx="2591002" cy="240060"/>
+            <a:off x="457051" y="3573214"/>
+            <a:ext cx="2591002" cy="274141"/>
           </a:xfrm>
           <a:prstGeom prst="rect">
             <a:avLst/>
@@ -8272,7 +11011,7 @@
           <a:p>
             <a:pPr algn="l" indent="0" marL="0">
               <a:lnSpc>
-                <a:spcPts val="1890"/>
+                <a:spcPts val="2160"/>
               </a:lnSpc>
               <a:spcBef>
                 <a:spcPts val="200"/>
@@ -8283,7 +11022,7 @@
               <a:buNone/>
             </a:pPr>
             <a:r>
-              <a:rPr lang="en-US" sz="1400" b="1" dirty="0">
+              <a:rPr lang="en-US" sz="1600" b="1" dirty="0">
                 <a:solidFill>
                   <a:srgbClr val="2C2C2C"/>
                 </a:solidFill>
@@ -8293,7 +11032,7 @@
               </a:rPr>
               <a:t>A: Crop Planning</a:t>
             </a:r>
-            <a:endParaRPr lang="en-US" sz="1400" dirty="0"/>
+            <a:endParaRPr lang="en-US" sz="1600" dirty="0"/>
           </a:p>
         </p:txBody>
       </p:sp>
@@ -8305,8 +11044,8 @@
         </p:nvSpPr>
         <p:spPr>
           <a:xfrm>
-            <a:off x="457051" y="3770114"/>
-            <a:ext cx="2591002" cy="240060"/>
+            <a:off x="457051" y="3872657"/>
+            <a:ext cx="2591002" cy="274141"/>
           </a:xfrm>
           <a:prstGeom prst="rect">
             <a:avLst/>
@@ -8320,7 +11059,7 @@
           <a:p>
             <a:pPr algn="l" indent="0" marL="0">
               <a:lnSpc>
-                <a:spcPts val="1890"/>
+                <a:spcPts val="2160"/>
               </a:lnSpc>
               <a:spcBef>
                 <a:spcPts val="200"/>
@@ -8331,7 +11070,7 @@
               <a:buNone/>
             </a:pPr>
             <a:r>
-              <a:rPr lang="en-US" sz="1400" dirty="0">
+              <a:rPr lang="en-US" sz="1600" dirty="0">
                 <a:solidFill>
                   <a:srgbClr val="2C2C2C"/>
                 </a:solidFill>
@@ -8341,7 +11080,7 @@
               </a:rPr>
               <a:t>Discussion + planting Issue</a:t>
             </a:r>
-            <a:endParaRPr lang="en-US" sz="1400" dirty="0"/>
+            <a:endParaRPr lang="en-US" sz="1600" dirty="0"/>
           </a:p>
         </p:txBody>
       </p:sp>
@@ -8353,12 +11092,12 @@
         </p:nvSpPr>
         <p:spPr>
           <a:xfrm>
-            <a:off x="3200251" y="3377952"/>
-            <a:ext cx="2743349" cy="720923"/>
+            <a:off x="3200251" y="3446413"/>
+            <a:ext cx="2743349" cy="789087"/>
           </a:xfrm>
           <a:prstGeom prst="roundRect">
             <a:avLst>
-              <a:gd name="adj" fmla="val 10570"/>
+              <a:gd name="adj" fmla="val 9657"/>
             </a:avLst>
           </a:prstGeom>
           <a:solidFill>
@@ -8385,7 +11124,7 @@
         </p:nvSpPr>
         <p:spPr>
           <a:xfrm>
-            <a:off x="3200251" y="3397002"/>
+            <a:off x="3200251" y="3465463"/>
             <a:ext cx="2743349" cy="0"/>
           </a:xfrm>
           <a:prstGeom prst="line">
@@ -8408,8 +11147,8 @@
         </p:nvSpPr>
         <p:spPr>
           <a:xfrm>
-            <a:off x="3301752" y="3504754"/>
-            <a:ext cx="2591154" cy="240060"/>
+            <a:off x="3301752" y="3573214"/>
+            <a:ext cx="2591154" cy="274141"/>
           </a:xfrm>
           <a:prstGeom prst="rect">
             <a:avLst/>
@@ -8423,7 +11162,7 @@
           <a:p>
             <a:pPr algn="l" indent="0" marL="0">
               <a:lnSpc>
-                <a:spcPts val="1890"/>
+                <a:spcPts val="2160"/>
               </a:lnSpc>
               <a:spcBef>
                 <a:spcPts val="200"/>
@@ -8434,7 +11173,7 @@
               <a:buNone/>
             </a:pPr>
             <a:r>
-              <a:rPr lang="en-US" sz="1400" b="1" dirty="0">
+              <a:rPr lang="en-US" sz="1600" b="1" dirty="0">
                 <a:solidFill>
                   <a:srgbClr val="2C2C2C"/>
                 </a:solidFill>
@@ -8444,7 +11183,7 @@
               </a:rPr>
               <a:t>B: Equipment</a:t>
             </a:r>
-            <a:endParaRPr lang="en-US" sz="1400" dirty="0"/>
+            <a:endParaRPr lang="en-US" sz="1600" dirty="0"/>
           </a:p>
         </p:txBody>
       </p:sp>
@@ -8456,8 +11195,8 @@
         </p:nvSpPr>
         <p:spPr>
           <a:xfrm>
-            <a:off x="3301752" y="3770114"/>
-            <a:ext cx="2591154" cy="240060"/>
+            <a:off x="3301752" y="3872657"/>
+            <a:ext cx="2591154" cy="274141"/>
           </a:xfrm>
           <a:prstGeom prst="rect">
             <a:avLst/>
@@ -8471,7 +11210,7 @@
           <a:p>
             <a:pPr algn="l" indent="0" marL="0">
               <a:lnSpc>
-                <a:spcPts val="1890"/>
+                <a:spcPts val="2160"/>
               </a:lnSpc>
               <a:spcBef>
                 <a:spcPts val="200"/>
@@ -8482,7 +11221,7 @@
               <a:buNone/>
             </a:pPr>
             <a:r>
-              <a:rPr lang="en-US" sz="1400" dirty="0">
+              <a:rPr lang="en-US" sz="1600" dirty="0">
                 <a:solidFill>
                   <a:srgbClr val="2C2C2C"/>
                 </a:solidFill>
@@ -8492,7 +11231,7 @@
               </a:rPr>
               <a:t>Discussion + repair Issue</a:t>
             </a:r>
-            <a:endParaRPr lang="en-US" sz="1400" dirty="0"/>
+            <a:endParaRPr lang="en-US" sz="1600" dirty="0"/>
           </a:p>
         </p:txBody>
       </p:sp>
@@ -8504,12 +11243,12 @@
         </p:nvSpPr>
         <p:spPr>
           <a:xfrm>
-            <a:off x="6045101" y="3377952"/>
-            <a:ext cx="2743349" cy="720923"/>
+            <a:off x="6045101" y="3446413"/>
+            <a:ext cx="2743349" cy="789087"/>
           </a:xfrm>
           <a:prstGeom prst="roundRect">
             <a:avLst>
-              <a:gd name="adj" fmla="val 10570"/>
+              <a:gd name="adj" fmla="val 9657"/>
             </a:avLst>
           </a:prstGeom>
           <a:solidFill>
@@ -8536,7 +11275,7 @@
         </p:nvSpPr>
         <p:spPr>
           <a:xfrm>
-            <a:off x="6045101" y="3397002"/>
+            <a:off x="6045101" y="3465463"/>
             <a:ext cx="2743349" cy="0"/>
           </a:xfrm>
           <a:prstGeom prst="line">
@@ -8559,8 +11298,8 @@
         </p:nvSpPr>
         <p:spPr>
           <a:xfrm>
-            <a:off x="6146602" y="3504754"/>
-            <a:ext cx="2591154" cy="240060"/>
+            <a:off x="6146602" y="3573214"/>
+            <a:ext cx="2591154" cy="274141"/>
           </a:xfrm>
           <a:prstGeom prst="rect">
             <a:avLst/>
@@ -8574,7 +11313,7 @@
           <a:p>
             <a:pPr algn="l" indent="0" marL="0">
               <a:lnSpc>
-                <a:spcPts val="1890"/>
+                <a:spcPts val="2160"/>
               </a:lnSpc>
               <a:spcBef>
                 <a:spcPts val="200"/>
@@ -8585,7 +11324,7 @@
               <a:buNone/>
             </a:pPr>
             <a:r>
-              <a:rPr lang="en-US" sz="1400" b="1" dirty="0">
+              <a:rPr lang="en-US" sz="1600" b="1" dirty="0">
                 <a:solidFill>
                   <a:srgbClr val="2C2C2C"/>
                 </a:solidFill>
@@ -8595,7 +11334,7 @@
               </a:rPr>
               <a:t>C: Livestock</a:t>
             </a:r>
-            <a:endParaRPr lang="en-US" sz="1400" dirty="0"/>
+            <a:endParaRPr lang="en-US" sz="1600" dirty="0"/>
           </a:p>
         </p:txBody>
       </p:sp>
@@ -8607,8 +11346,8 @@
         </p:nvSpPr>
         <p:spPr>
           <a:xfrm>
-            <a:off x="6146602" y="3770114"/>
-            <a:ext cx="2591154" cy="240060"/>
+            <a:off x="6146602" y="3872657"/>
+            <a:ext cx="2591154" cy="274141"/>
           </a:xfrm>
           <a:prstGeom prst="rect">
             <a:avLst/>
@@ -8622,7 +11361,7 @@
           <a:p>
             <a:pPr algn="l" indent="0" marL="0">
               <a:lnSpc>
-                <a:spcPts val="1890"/>
+                <a:spcPts val="2160"/>
               </a:lnSpc>
               <a:spcBef>
                 <a:spcPts val="200"/>
@@ -8633,7 +11372,7 @@
               <a:buNone/>
             </a:pPr>
             <a:r>
-              <a:rPr lang="en-US" sz="1400" dirty="0">
+              <a:rPr lang="en-US" sz="1600" dirty="0">
                 <a:solidFill>
                   <a:srgbClr val="2C2C2C"/>
                 </a:solidFill>
@@ -8643,7 +11382,7 @@
               </a:rPr>
               <a:t>Discussion + vet visit Issue</a:t>
             </a:r>
-            <a:endParaRPr lang="en-US" sz="1400" dirty="0"/>
+            <a:endParaRPr lang="en-US" sz="1600" dirty="0"/>
           </a:p>
         </p:txBody>
       </p:sp>
@@ -9095,6 +11834,1332 @@
           </a:p>
         </p:txBody>
       </p:sp>
+      <p:graphicFrame>
+        <p:nvGraphicFramePr>
+          <p:cNvPr id="23" name="Table 0"/>
+          <p:cNvGraphicFramePr>
+            <a:graphicFrameLocks noGrp="1"/>
+          </p:cNvGraphicFramePr>
+          <p:nvPr>
+            <p:extLst>
+              <p:ext uri="{D42A27DB-BD31-4B8C-83A1-F6EECF244321}">
+                <p14:modId xmlns:p14="http://schemas.microsoft.com/office/powerpoint/2010/main" val="1579011935"/>
+              </p:ext>
+            </p:extLst>
+          </p:nvPr>
+        </p:nvGraphicFramePr>
+        <p:xfrm>
+          <a:off x="355550" y="1117402"/>
+          <a:ext cx="8382000" cy="2920901"/>
+        </p:xfrm>
+        <a:graphic>
+          <a:graphicData uri="http://schemas.openxmlformats.org/drawingml/2006/table">
+            <a:tbl>
+              <a:tblPr/>
+              <a:tblGrid>
+                <a:gridCol w="1828800"/>
+                <a:gridCol w="2286000"/>
+                <a:gridCol w="4114800"/>
+              </a:tblGrid>
+              <a:tr h="417272">
+                <a:tc>
+                  <a:txBody>
+                    <a:bodyPr/>
+                    <a:lstStyle/>
+                    <a:p>
+                      <a:pPr algn="l" indent="0" marL="0">
+                        <a:buNone/>
+                      </a:pPr>
+                      <a:r>
+                        <a:rPr lang="en-US" sz="1100" b="1" dirty="0">
+                          <a:solidFill>
+                            <a:srgbClr val="FFFFFF"/>
+                          </a:solidFill>
+                        </a:rPr>
+                        <a:t>GitHub Term</a:t>
+                      </a:r>
+                      <a:endParaRPr lang="en-US" sz="1100" dirty="0"/>
+                    </a:p>
+                  </a:txBody>
+                  <a:tcPr marL="91440" marR="91440" marT="45720" marB="45720" anchor="ctr">
+                    <a:lnL w="12700" cap="flat" cmpd="sng" algn="ctr">
+                      <a:solidFill>
+                        <a:srgbClr val="CCCCCC"/>
+                      </a:solidFill>
+                      <a:prstDash val="solid"/>
+                      <a:round/>
+                      <a:headEnd type="none" w="med" len="med"/>
+                      <a:tailEnd type="none" w="med" len="med"/>
+                    </a:lnL>
+                    <a:lnR w="12700" cap="flat" cmpd="sng" algn="ctr">
+                      <a:solidFill>
+                        <a:srgbClr val="CCCCCC"/>
+                      </a:solidFill>
+                      <a:prstDash val="solid"/>
+                      <a:round/>
+                      <a:headEnd type="none" w="med" len="med"/>
+                      <a:tailEnd type="none" w="med" len="med"/>
+                    </a:lnR>
+                    <a:lnT w="12700" cap="flat" cmpd="sng" algn="ctr">
+                      <a:solidFill>
+                        <a:srgbClr val="CCCCCC"/>
+                      </a:solidFill>
+                      <a:prstDash val="solid"/>
+                      <a:round/>
+                      <a:headEnd type="none" w="med" len="med"/>
+                      <a:tailEnd type="none" w="med" len="med"/>
+                    </a:lnT>
+                    <a:lnB w="12700" cap="flat" cmpd="sng" algn="ctr">
+                      <a:solidFill>
+                        <a:srgbClr val="CCCCCC"/>
+                      </a:solidFill>
+                      <a:prstDash val="solid"/>
+                      <a:round/>
+                      <a:headEnd type="none" w="med" len="med"/>
+                      <a:tailEnd type="none" w="med" len="med"/>
+                    </a:lnB>
+                    <a:solidFill>
+                      <a:srgbClr val="1E5128"/>
+                    </a:solidFill>
+                  </a:tcPr>
+                </a:tc>
+                <a:tc>
+                  <a:txBody>
+                    <a:bodyPr/>
+                    <a:lstStyle/>
+                    <a:p>
+                      <a:pPr algn="l" indent="0" marL="0">
+                        <a:buNone/>
+                      </a:pPr>
+                      <a:r>
+                        <a:rPr lang="en-US" sz="1100" b="1" dirty="0">
+                          <a:solidFill>
+                            <a:srgbClr val="FFFFFF"/>
+                          </a:solidFill>
+                        </a:rPr>
+                        <a:t>Farm Analogy</a:t>
+                      </a:r>
+                      <a:endParaRPr lang="en-US" sz="1100" dirty="0"/>
+                    </a:p>
+                  </a:txBody>
+                  <a:tcPr marL="91440" marR="91440" marT="45720" marB="45720" anchor="ctr">
+                    <a:lnL w="12700" cap="flat" cmpd="sng" algn="ctr">
+                      <a:solidFill>
+                        <a:srgbClr val="CCCCCC"/>
+                      </a:solidFill>
+                      <a:prstDash val="solid"/>
+                      <a:round/>
+                      <a:headEnd type="none" w="med" len="med"/>
+                      <a:tailEnd type="none" w="med" len="med"/>
+                    </a:lnL>
+                    <a:lnR w="12700" cap="flat" cmpd="sng" algn="ctr">
+                      <a:solidFill>
+                        <a:srgbClr val="CCCCCC"/>
+                      </a:solidFill>
+                      <a:prstDash val="solid"/>
+                      <a:round/>
+                      <a:headEnd type="none" w="med" len="med"/>
+                      <a:tailEnd type="none" w="med" len="med"/>
+                    </a:lnR>
+                    <a:lnT w="12700" cap="flat" cmpd="sng" algn="ctr">
+                      <a:solidFill>
+                        <a:srgbClr val="CCCCCC"/>
+                      </a:solidFill>
+                      <a:prstDash val="solid"/>
+                      <a:round/>
+                      <a:headEnd type="none" w="med" len="med"/>
+                      <a:tailEnd type="none" w="med" len="med"/>
+                    </a:lnT>
+                    <a:lnB w="12700" cap="flat" cmpd="sng" algn="ctr">
+                      <a:solidFill>
+                        <a:srgbClr val="CCCCCC"/>
+                      </a:solidFill>
+                      <a:prstDash val="solid"/>
+                      <a:round/>
+                      <a:headEnd type="none" w="med" len="med"/>
+                      <a:tailEnd type="none" w="med" len="med"/>
+                    </a:lnB>
+                    <a:solidFill>
+                      <a:srgbClr val="1E5128"/>
+                    </a:solidFill>
+                  </a:tcPr>
+                </a:tc>
+                <a:tc>
+                  <a:txBody>
+                    <a:bodyPr/>
+                    <a:lstStyle/>
+                    <a:p>
+                      <a:pPr algn="l" indent="0" marL="0">
+                        <a:buNone/>
+                      </a:pPr>
+                      <a:r>
+                        <a:rPr lang="en-US" sz="1100" b="1" dirty="0">
+                          <a:solidFill>
+                            <a:srgbClr val="FFFFFF"/>
+                          </a:solidFill>
+                        </a:rPr>
+                        <a:t>Meaning</a:t>
+                      </a:r>
+                      <a:endParaRPr lang="en-US" sz="1100" dirty="0"/>
+                    </a:p>
+                  </a:txBody>
+                  <a:tcPr marL="91440" marR="91440" marT="45720" marB="45720" anchor="ctr">
+                    <a:lnL w="12700" cap="flat" cmpd="sng" algn="ctr">
+                      <a:solidFill>
+                        <a:srgbClr val="CCCCCC"/>
+                      </a:solidFill>
+                      <a:prstDash val="solid"/>
+                      <a:round/>
+                      <a:headEnd type="none" w="med" len="med"/>
+                      <a:tailEnd type="none" w="med" len="med"/>
+                    </a:lnL>
+                    <a:lnR w="12700" cap="flat" cmpd="sng" algn="ctr">
+                      <a:solidFill>
+                        <a:srgbClr val="CCCCCC"/>
+                      </a:solidFill>
+                      <a:prstDash val="solid"/>
+                      <a:round/>
+                      <a:headEnd type="none" w="med" len="med"/>
+                      <a:tailEnd type="none" w="med" len="med"/>
+                    </a:lnR>
+                    <a:lnT w="12700" cap="flat" cmpd="sng" algn="ctr">
+                      <a:solidFill>
+                        <a:srgbClr val="CCCCCC"/>
+                      </a:solidFill>
+                      <a:prstDash val="solid"/>
+                      <a:round/>
+                      <a:headEnd type="none" w="med" len="med"/>
+                      <a:tailEnd type="none" w="med" len="med"/>
+                    </a:lnT>
+                    <a:lnB w="12700" cap="flat" cmpd="sng" algn="ctr">
+                      <a:solidFill>
+                        <a:srgbClr val="CCCCCC"/>
+                      </a:solidFill>
+                      <a:prstDash val="solid"/>
+                      <a:round/>
+                      <a:headEnd type="none" w="med" len="med"/>
+                      <a:tailEnd type="none" w="med" len="med"/>
+                    </a:lnB>
+                    <a:solidFill>
+                      <a:srgbClr val="1E5128"/>
+                    </a:solidFill>
+                  </a:tcPr>
+                </a:tc>
+              </a:tr>
+              <a:tr h="417272">
+                <a:tc>
+                  <a:txBody>
+                    <a:bodyPr/>
+                    <a:lstStyle/>
+                    <a:p>
+                      <a:pPr algn="l" indent="0" marL="0">
+                        <a:buNone/>
+                      </a:pPr>
+                      <a:r>
+                        <a:rPr lang="en-US" sz="1100" b="1" dirty="0">
+                          <a:solidFill>
+                            <a:srgbClr val="000000"/>
+                          </a:solidFill>
+                        </a:rPr>
+                        <a:t>Watch</a:t>
+                      </a:r>
+                      <a:endParaRPr lang="en-US" sz="1100" dirty="0"/>
+                    </a:p>
+                  </a:txBody>
+                  <a:tcPr marL="91440" marR="91440" marT="45720" marB="45720" anchor="ctr">
+                    <a:lnL w="12700" cap="flat" cmpd="sng" algn="ctr">
+                      <a:solidFill>
+                        <a:srgbClr val="CCCCCC"/>
+                      </a:solidFill>
+                      <a:prstDash val="solid"/>
+                      <a:round/>
+                      <a:headEnd type="none" w="med" len="med"/>
+                      <a:tailEnd type="none" w="med" len="med"/>
+                    </a:lnL>
+                    <a:lnR w="12700" cap="flat" cmpd="sng" algn="ctr">
+                      <a:solidFill>
+                        <a:srgbClr val="CCCCCC"/>
+                      </a:solidFill>
+                      <a:prstDash val="solid"/>
+                      <a:round/>
+                      <a:headEnd type="none" w="med" len="med"/>
+                      <a:tailEnd type="none" w="med" len="med"/>
+                    </a:lnR>
+                    <a:lnT w="12700" cap="flat" cmpd="sng" algn="ctr">
+                      <a:solidFill>
+                        <a:srgbClr val="CCCCCC"/>
+                      </a:solidFill>
+                      <a:prstDash val="solid"/>
+                      <a:round/>
+                      <a:headEnd type="none" w="med" len="med"/>
+                      <a:tailEnd type="none" w="med" len="med"/>
+                    </a:lnT>
+                    <a:lnB w="12700" cap="flat" cmpd="sng" algn="ctr">
+                      <a:solidFill>
+                        <a:srgbClr val="CCCCCC"/>
+                      </a:solidFill>
+                      <a:prstDash val="solid"/>
+                      <a:round/>
+                      <a:headEnd type="none" w="med" len="med"/>
+                      <a:tailEnd type="none" w="med" len="med"/>
+                    </a:lnB>
+                    <a:solidFill>
+                      <a:srgbClr val="F4F1DE"/>
+                    </a:solidFill>
+                  </a:tcPr>
+                </a:tc>
+                <a:tc>
+                  <a:txBody>
+                    <a:bodyPr/>
+                    <a:lstStyle/>
+                    <a:p>
+                      <a:pPr algn="l" indent="0" marL="0">
+                        <a:buNone/>
+                      </a:pPr>
+                      <a:r>
+                        <a:rPr lang="en-US" sz="1100" dirty="0">
+                          <a:solidFill>
+                            <a:srgbClr val="000000"/>
+                          </a:solidFill>
+                        </a:rPr>
+                        <a:t>Sign up for alerts</a:t>
+                      </a:r>
+                      <a:endParaRPr lang="en-US" sz="1100" dirty="0"/>
+                    </a:p>
+                  </a:txBody>
+                  <a:tcPr marL="91440" marR="91440" marT="45720" marB="45720" anchor="ctr">
+                    <a:lnL w="12700" cap="flat" cmpd="sng" algn="ctr">
+                      <a:solidFill>
+                        <a:srgbClr val="CCCCCC"/>
+                      </a:solidFill>
+                      <a:prstDash val="solid"/>
+                      <a:round/>
+                      <a:headEnd type="none" w="med" len="med"/>
+                      <a:tailEnd type="none" w="med" len="med"/>
+                    </a:lnL>
+                    <a:lnR w="12700" cap="flat" cmpd="sng" algn="ctr">
+                      <a:solidFill>
+                        <a:srgbClr val="CCCCCC"/>
+                      </a:solidFill>
+                      <a:prstDash val="solid"/>
+                      <a:round/>
+                      <a:headEnd type="none" w="med" len="med"/>
+                      <a:tailEnd type="none" w="med" len="med"/>
+                    </a:lnR>
+                    <a:lnT w="12700" cap="flat" cmpd="sng" algn="ctr">
+                      <a:solidFill>
+                        <a:srgbClr val="CCCCCC"/>
+                      </a:solidFill>
+                      <a:prstDash val="solid"/>
+                      <a:round/>
+                      <a:headEnd type="none" w="med" len="med"/>
+                      <a:tailEnd type="none" w="med" len="med"/>
+                    </a:lnT>
+                    <a:lnB w="12700" cap="flat" cmpd="sng" algn="ctr">
+                      <a:solidFill>
+                        <a:srgbClr val="CCCCCC"/>
+                      </a:solidFill>
+                      <a:prstDash val="solid"/>
+                      <a:round/>
+                      <a:headEnd type="none" w="med" len="med"/>
+                      <a:tailEnd type="none" w="med" len="med"/>
+                    </a:lnB>
+                    <a:solidFill>
+                      <a:srgbClr val="F4F1DE"/>
+                    </a:solidFill>
+                  </a:tcPr>
+                </a:tc>
+                <a:tc>
+                  <a:txBody>
+                    <a:bodyPr/>
+                    <a:lstStyle/>
+                    <a:p>
+                      <a:pPr algn="l" indent="0" marL="0">
+                        <a:buNone/>
+                      </a:pPr>
+                      <a:r>
+                        <a:rPr lang="en-US" sz="1100" dirty="0">
+                          <a:solidFill>
+                            <a:srgbClr val="000000"/>
+                          </a:solidFill>
+                        </a:rPr>
+                        <a:t>Subscribe to updates from a repository</a:t>
+                      </a:r>
+                      <a:endParaRPr lang="en-US" sz="1100" dirty="0"/>
+                    </a:p>
+                  </a:txBody>
+                  <a:tcPr marL="91440" marR="91440" marT="45720" marB="45720" anchor="ctr">
+                    <a:lnL w="12700" cap="flat" cmpd="sng" algn="ctr">
+                      <a:solidFill>
+                        <a:srgbClr val="CCCCCC"/>
+                      </a:solidFill>
+                      <a:prstDash val="solid"/>
+                      <a:round/>
+                      <a:headEnd type="none" w="med" len="med"/>
+                      <a:tailEnd type="none" w="med" len="med"/>
+                    </a:lnL>
+                    <a:lnR w="12700" cap="flat" cmpd="sng" algn="ctr">
+                      <a:solidFill>
+                        <a:srgbClr val="CCCCCC"/>
+                      </a:solidFill>
+                      <a:prstDash val="solid"/>
+                      <a:round/>
+                      <a:headEnd type="none" w="med" len="med"/>
+                      <a:tailEnd type="none" w="med" len="med"/>
+                    </a:lnR>
+                    <a:lnT w="12700" cap="flat" cmpd="sng" algn="ctr">
+                      <a:solidFill>
+                        <a:srgbClr val="CCCCCC"/>
+                      </a:solidFill>
+                      <a:prstDash val="solid"/>
+                      <a:round/>
+                      <a:headEnd type="none" w="med" len="med"/>
+                      <a:tailEnd type="none" w="med" len="med"/>
+                    </a:lnT>
+                    <a:lnB w="12700" cap="flat" cmpd="sng" algn="ctr">
+                      <a:solidFill>
+                        <a:srgbClr val="CCCCCC"/>
+                      </a:solidFill>
+                      <a:prstDash val="solid"/>
+                      <a:round/>
+                      <a:headEnd type="none" w="med" len="med"/>
+                      <a:tailEnd type="none" w="med" len="med"/>
+                    </a:lnB>
+                    <a:solidFill>
+                      <a:srgbClr val="F4F1DE"/>
+                    </a:solidFill>
+                  </a:tcPr>
+                </a:tc>
+              </a:tr>
+              <a:tr h="417272">
+                <a:tc>
+                  <a:txBody>
+                    <a:bodyPr/>
+                    <a:lstStyle/>
+                    <a:p>
+                      <a:pPr algn="l" indent="0" marL="0">
+                        <a:buNone/>
+                      </a:pPr>
+                      <a:r>
+                        <a:rPr lang="en-US" sz="1100" b="1" dirty="0">
+                          <a:solidFill>
+                            <a:srgbClr val="000000"/>
+                          </a:solidFill>
+                        </a:rPr>
+                        <a:t>Notification</a:t>
+                      </a:r>
+                      <a:endParaRPr lang="en-US" sz="1100" dirty="0"/>
+                    </a:p>
+                  </a:txBody>
+                  <a:tcPr marL="91440" marR="91440" marT="45720" marB="45720" anchor="ctr">
+                    <a:lnL w="12700" cap="flat" cmpd="sng" algn="ctr">
+                      <a:solidFill>
+                        <a:srgbClr val="CCCCCC"/>
+                      </a:solidFill>
+                      <a:prstDash val="solid"/>
+                      <a:round/>
+                      <a:headEnd type="none" w="med" len="med"/>
+                      <a:tailEnd type="none" w="med" len="med"/>
+                    </a:lnL>
+                    <a:lnR w="12700" cap="flat" cmpd="sng" algn="ctr">
+                      <a:solidFill>
+                        <a:srgbClr val="CCCCCC"/>
+                      </a:solidFill>
+                      <a:prstDash val="solid"/>
+                      <a:round/>
+                      <a:headEnd type="none" w="med" len="med"/>
+                      <a:tailEnd type="none" w="med" len="med"/>
+                    </a:lnR>
+                    <a:lnT w="12700" cap="flat" cmpd="sng" algn="ctr">
+                      <a:solidFill>
+                        <a:srgbClr val="CCCCCC"/>
+                      </a:solidFill>
+                      <a:prstDash val="solid"/>
+                      <a:round/>
+                      <a:headEnd type="none" w="med" len="med"/>
+                      <a:tailEnd type="none" w="med" len="med"/>
+                    </a:lnT>
+                    <a:lnB w="12700" cap="flat" cmpd="sng" algn="ctr">
+                      <a:solidFill>
+                        <a:srgbClr val="CCCCCC"/>
+                      </a:solidFill>
+                      <a:prstDash val="solid"/>
+                      <a:round/>
+                      <a:headEnd type="none" w="med" len="med"/>
+                      <a:tailEnd type="none" w="med" len="med"/>
+                    </a:lnB>
+                    <a:solidFill>
+                      <a:srgbClr val="FFFFFF"/>
+                    </a:solidFill>
+                  </a:tcPr>
+                </a:tc>
+                <a:tc>
+                  <a:txBody>
+                    <a:bodyPr/>
+                    <a:lstStyle/>
+                    <a:p>
+                      <a:pPr algn="l" indent="0" marL="0">
+                        <a:buNone/>
+                      </a:pPr>
+                      <a:r>
+                        <a:rPr lang="en-US" sz="1100" dirty="0">
+                          <a:solidFill>
+                            <a:srgbClr val="000000"/>
+                          </a:solidFill>
+                        </a:rPr>
+                        <a:t>Text alert</a:t>
+                      </a:r>
+                      <a:endParaRPr lang="en-US" sz="1100" dirty="0"/>
+                    </a:p>
+                  </a:txBody>
+                  <a:tcPr marL="91440" marR="91440" marT="45720" marB="45720" anchor="ctr">
+                    <a:lnL w="12700" cap="flat" cmpd="sng" algn="ctr">
+                      <a:solidFill>
+                        <a:srgbClr val="CCCCCC"/>
+                      </a:solidFill>
+                      <a:prstDash val="solid"/>
+                      <a:round/>
+                      <a:headEnd type="none" w="med" len="med"/>
+                      <a:tailEnd type="none" w="med" len="med"/>
+                    </a:lnL>
+                    <a:lnR w="12700" cap="flat" cmpd="sng" algn="ctr">
+                      <a:solidFill>
+                        <a:srgbClr val="CCCCCC"/>
+                      </a:solidFill>
+                      <a:prstDash val="solid"/>
+                      <a:round/>
+                      <a:headEnd type="none" w="med" len="med"/>
+                      <a:tailEnd type="none" w="med" len="med"/>
+                    </a:lnR>
+                    <a:lnT w="12700" cap="flat" cmpd="sng" algn="ctr">
+                      <a:solidFill>
+                        <a:srgbClr val="CCCCCC"/>
+                      </a:solidFill>
+                      <a:prstDash val="solid"/>
+                      <a:round/>
+                      <a:headEnd type="none" w="med" len="med"/>
+                      <a:tailEnd type="none" w="med" len="med"/>
+                    </a:lnT>
+                    <a:lnB w="12700" cap="flat" cmpd="sng" algn="ctr">
+                      <a:solidFill>
+                        <a:srgbClr val="CCCCCC"/>
+                      </a:solidFill>
+                      <a:prstDash val="solid"/>
+                      <a:round/>
+                      <a:headEnd type="none" w="med" len="med"/>
+                      <a:tailEnd type="none" w="med" len="med"/>
+                    </a:lnB>
+                    <a:solidFill>
+                      <a:srgbClr val="FFFFFF"/>
+                    </a:solidFill>
+                  </a:tcPr>
+                </a:tc>
+                <a:tc>
+                  <a:txBody>
+                    <a:bodyPr/>
+                    <a:lstStyle/>
+                    <a:p>
+                      <a:pPr algn="l" indent="0" marL="0">
+                        <a:buNone/>
+                      </a:pPr>
+                      <a:r>
+                        <a:rPr lang="en-US" sz="1100" dirty="0">
+                          <a:solidFill>
+                            <a:srgbClr val="000000"/>
+                          </a:solidFill>
+                        </a:rPr>
+                        <a:t>A message telling you something happened</a:t>
+                      </a:r>
+                      <a:endParaRPr lang="en-US" sz="1100" dirty="0"/>
+                    </a:p>
+                  </a:txBody>
+                  <a:tcPr marL="91440" marR="91440" marT="45720" marB="45720" anchor="ctr">
+                    <a:lnL w="12700" cap="flat" cmpd="sng" algn="ctr">
+                      <a:solidFill>
+                        <a:srgbClr val="CCCCCC"/>
+                      </a:solidFill>
+                      <a:prstDash val="solid"/>
+                      <a:round/>
+                      <a:headEnd type="none" w="med" len="med"/>
+                      <a:tailEnd type="none" w="med" len="med"/>
+                    </a:lnL>
+                    <a:lnR w="12700" cap="flat" cmpd="sng" algn="ctr">
+                      <a:solidFill>
+                        <a:srgbClr val="CCCCCC"/>
+                      </a:solidFill>
+                      <a:prstDash val="solid"/>
+                      <a:round/>
+                      <a:headEnd type="none" w="med" len="med"/>
+                      <a:tailEnd type="none" w="med" len="med"/>
+                    </a:lnR>
+                    <a:lnT w="12700" cap="flat" cmpd="sng" algn="ctr">
+                      <a:solidFill>
+                        <a:srgbClr val="CCCCCC"/>
+                      </a:solidFill>
+                      <a:prstDash val="solid"/>
+                      <a:round/>
+                      <a:headEnd type="none" w="med" len="med"/>
+                      <a:tailEnd type="none" w="med" len="med"/>
+                    </a:lnT>
+                    <a:lnB w="12700" cap="flat" cmpd="sng" algn="ctr">
+                      <a:solidFill>
+                        <a:srgbClr val="CCCCCC"/>
+                      </a:solidFill>
+                      <a:prstDash val="solid"/>
+                      <a:round/>
+                      <a:headEnd type="none" w="med" len="med"/>
+                      <a:tailEnd type="none" w="med" len="med"/>
+                    </a:lnB>
+                    <a:solidFill>
+                      <a:srgbClr val="FFFFFF"/>
+                    </a:solidFill>
+                  </a:tcPr>
+                </a:tc>
+              </a:tr>
+              <a:tr h="417272">
+                <a:tc>
+                  <a:txBody>
+                    <a:bodyPr/>
+                    <a:lstStyle/>
+                    <a:p>
+                      <a:pPr algn="l" indent="0" marL="0">
+                        <a:buNone/>
+                      </a:pPr>
+                      <a:r>
+                        <a:rPr lang="en-US" sz="1100" b="1" dirty="0">
+                          <a:solidFill>
+                            <a:srgbClr val="000000"/>
+                          </a:solidFill>
+                        </a:rPr>
+                        <a:t>@mention</a:t>
+                      </a:r>
+                      <a:endParaRPr lang="en-US" sz="1100" dirty="0"/>
+                    </a:p>
+                  </a:txBody>
+                  <a:tcPr marL="91440" marR="91440" marT="45720" marB="45720" anchor="ctr">
+                    <a:lnL w="12700" cap="flat" cmpd="sng" algn="ctr">
+                      <a:solidFill>
+                        <a:srgbClr val="CCCCCC"/>
+                      </a:solidFill>
+                      <a:prstDash val="solid"/>
+                      <a:round/>
+                      <a:headEnd type="none" w="med" len="med"/>
+                      <a:tailEnd type="none" w="med" len="med"/>
+                    </a:lnL>
+                    <a:lnR w="12700" cap="flat" cmpd="sng" algn="ctr">
+                      <a:solidFill>
+                        <a:srgbClr val="CCCCCC"/>
+                      </a:solidFill>
+                      <a:prstDash val="solid"/>
+                      <a:round/>
+                      <a:headEnd type="none" w="med" len="med"/>
+                      <a:tailEnd type="none" w="med" len="med"/>
+                    </a:lnR>
+                    <a:lnT w="12700" cap="flat" cmpd="sng" algn="ctr">
+                      <a:solidFill>
+                        <a:srgbClr val="CCCCCC"/>
+                      </a:solidFill>
+                      <a:prstDash val="solid"/>
+                      <a:round/>
+                      <a:headEnd type="none" w="med" len="med"/>
+                      <a:tailEnd type="none" w="med" len="med"/>
+                    </a:lnT>
+                    <a:lnB w="12700" cap="flat" cmpd="sng" algn="ctr">
+                      <a:solidFill>
+                        <a:srgbClr val="CCCCCC"/>
+                      </a:solidFill>
+                      <a:prstDash val="solid"/>
+                      <a:round/>
+                      <a:headEnd type="none" w="med" len="med"/>
+                      <a:tailEnd type="none" w="med" len="med"/>
+                    </a:lnB>
+                    <a:solidFill>
+                      <a:srgbClr val="F4F1DE"/>
+                    </a:solidFill>
+                  </a:tcPr>
+                </a:tc>
+                <a:tc>
+                  <a:txBody>
+                    <a:bodyPr/>
+                    <a:lstStyle/>
+                    <a:p>
+                      <a:pPr algn="l" indent="0" marL="0">
+                        <a:buNone/>
+                      </a:pPr>
+                      <a:r>
+                        <a:rPr lang="en-US" sz="1100" dirty="0">
+                          <a:solidFill>
+                            <a:srgbClr val="000000"/>
+                          </a:solidFill>
+                        </a:rPr>
+                        <a:t>Tap on the shoulder</a:t>
+                      </a:r>
+                      <a:endParaRPr lang="en-US" sz="1100" dirty="0"/>
+                    </a:p>
+                  </a:txBody>
+                  <a:tcPr marL="91440" marR="91440" marT="45720" marB="45720" anchor="ctr">
+                    <a:lnL w="12700" cap="flat" cmpd="sng" algn="ctr">
+                      <a:solidFill>
+                        <a:srgbClr val="CCCCCC"/>
+                      </a:solidFill>
+                      <a:prstDash val="solid"/>
+                      <a:round/>
+                      <a:headEnd type="none" w="med" len="med"/>
+                      <a:tailEnd type="none" w="med" len="med"/>
+                    </a:lnL>
+                    <a:lnR w="12700" cap="flat" cmpd="sng" algn="ctr">
+                      <a:solidFill>
+                        <a:srgbClr val="CCCCCC"/>
+                      </a:solidFill>
+                      <a:prstDash val="solid"/>
+                      <a:round/>
+                      <a:headEnd type="none" w="med" len="med"/>
+                      <a:tailEnd type="none" w="med" len="med"/>
+                    </a:lnR>
+                    <a:lnT w="12700" cap="flat" cmpd="sng" algn="ctr">
+                      <a:solidFill>
+                        <a:srgbClr val="CCCCCC"/>
+                      </a:solidFill>
+                      <a:prstDash val="solid"/>
+                      <a:round/>
+                      <a:headEnd type="none" w="med" len="med"/>
+                      <a:tailEnd type="none" w="med" len="med"/>
+                    </a:lnT>
+                    <a:lnB w="12700" cap="flat" cmpd="sng" algn="ctr">
+                      <a:solidFill>
+                        <a:srgbClr val="CCCCCC"/>
+                      </a:solidFill>
+                      <a:prstDash val="solid"/>
+                      <a:round/>
+                      <a:headEnd type="none" w="med" len="med"/>
+                      <a:tailEnd type="none" w="med" len="med"/>
+                    </a:lnB>
+                    <a:solidFill>
+                      <a:srgbClr val="F4F1DE"/>
+                    </a:solidFill>
+                  </a:tcPr>
+                </a:tc>
+                <a:tc>
+                  <a:txBody>
+                    <a:bodyPr/>
+                    <a:lstStyle/>
+                    <a:p>
+                      <a:pPr algn="l" indent="0" marL="0">
+                        <a:buNone/>
+                      </a:pPr>
+                      <a:r>
+                        <a:rPr lang="en-US" sz="1100" dirty="0">
+                          <a:solidFill>
+                            <a:srgbClr val="000000"/>
+                          </a:solidFill>
+                        </a:rPr>
+                        <a:t>Tag a specific person to get their attention</a:t>
+                      </a:r>
+                      <a:endParaRPr lang="en-US" sz="1100" dirty="0"/>
+                    </a:p>
+                  </a:txBody>
+                  <a:tcPr marL="91440" marR="91440" marT="45720" marB="45720" anchor="ctr">
+                    <a:lnL w="12700" cap="flat" cmpd="sng" algn="ctr">
+                      <a:solidFill>
+                        <a:srgbClr val="CCCCCC"/>
+                      </a:solidFill>
+                      <a:prstDash val="solid"/>
+                      <a:round/>
+                      <a:headEnd type="none" w="med" len="med"/>
+                      <a:tailEnd type="none" w="med" len="med"/>
+                    </a:lnL>
+                    <a:lnR w="12700" cap="flat" cmpd="sng" algn="ctr">
+                      <a:solidFill>
+                        <a:srgbClr val="CCCCCC"/>
+                      </a:solidFill>
+                      <a:prstDash val="solid"/>
+                      <a:round/>
+                      <a:headEnd type="none" w="med" len="med"/>
+                      <a:tailEnd type="none" w="med" len="med"/>
+                    </a:lnR>
+                    <a:lnT w="12700" cap="flat" cmpd="sng" algn="ctr">
+                      <a:solidFill>
+                        <a:srgbClr val="CCCCCC"/>
+                      </a:solidFill>
+                      <a:prstDash val="solid"/>
+                      <a:round/>
+                      <a:headEnd type="none" w="med" len="med"/>
+                      <a:tailEnd type="none" w="med" len="med"/>
+                    </a:lnT>
+                    <a:lnB w="12700" cap="flat" cmpd="sng" algn="ctr">
+                      <a:solidFill>
+                        <a:srgbClr val="CCCCCC"/>
+                      </a:solidFill>
+                      <a:prstDash val="solid"/>
+                      <a:round/>
+                      <a:headEnd type="none" w="med" len="med"/>
+                      <a:tailEnd type="none" w="med" len="med"/>
+                    </a:lnB>
+                    <a:solidFill>
+                      <a:srgbClr val="F4F1DE"/>
+                    </a:solidFill>
+                  </a:tcPr>
+                </a:tc>
+              </a:tr>
+              <a:tr h="417272">
+                <a:tc>
+                  <a:txBody>
+                    <a:bodyPr/>
+                    <a:lstStyle/>
+                    <a:p>
+                      <a:pPr algn="l" indent="0" marL="0">
+                        <a:buNone/>
+                      </a:pPr>
+                      <a:r>
+                        <a:rPr lang="en-US" sz="1100" b="1" dirty="0">
+                          <a:solidFill>
+                            <a:srgbClr val="000000"/>
+                          </a:solidFill>
+                        </a:rPr>
+                        <a:t>Discussion</a:t>
+                      </a:r>
+                      <a:endParaRPr lang="en-US" sz="1100" dirty="0"/>
+                    </a:p>
+                  </a:txBody>
+                  <a:tcPr marL="91440" marR="91440" marT="45720" marB="45720" anchor="ctr">
+                    <a:lnL w="12700" cap="flat" cmpd="sng" algn="ctr">
+                      <a:solidFill>
+                        <a:srgbClr val="CCCCCC"/>
+                      </a:solidFill>
+                      <a:prstDash val="solid"/>
+                      <a:round/>
+                      <a:headEnd type="none" w="med" len="med"/>
+                      <a:tailEnd type="none" w="med" len="med"/>
+                    </a:lnL>
+                    <a:lnR w="12700" cap="flat" cmpd="sng" algn="ctr">
+                      <a:solidFill>
+                        <a:srgbClr val="CCCCCC"/>
+                      </a:solidFill>
+                      <a:prstDash val="solid"/>
+                      <a:round/>
+                      <a:headEnd type="none" w="med" len="med"/>
+                      <a:tailEnd type="none" w="med" len="med"/>
+                    </a:lnR>
+                    <a:lnT w="12700" cap="flat" cmpd="sng" algn="ctr">
+                      <a:solidFill>
+                        <a:srgbClr val="CCCCCC"/>
+                      </a:solidFill>
+                      <a:prstDash val="solid"/>
+                      <a:round/>
+                      <a:headEnd type="none" w="med" len="med"/>
+                      <a:tailEnd type="none" w="med" len="med"/>
+                    </a:lnT>
+                    <a:lnB w="12700" cap="flat" cmpd="sng" algn="ctr">
+                      <a:solidFill>
+                        <a:srgbClr val="CCCCCC"/>
+                      </a:solidFill>
+                      <a:prstDash val="solid"/>
+                      <a:round/>
+                      <a:headEnd type="none" w="med" len="med"/>
+                      <a:tailEnd type="none" w="med" len="med"/>
+                    </a:lnB>
+                    <a:solidFill>
+                      <a:srgbClr val="FFFFFF"/>
+                    </a:solidFill>
+                  </a:tcPr>
+                </a:tc>
+                <a:tc>
+                  <a:txBody>
+                    <a:bodyPr/>
+                    <a:lstStyle/>
+                    <a:p>
+                      <a:pPr algn="l" indent="0" marL="0">
+                        <a:buNone/>
+                      </a:pPr>
+                      <a:r>
+                        <a:rPr lang="en-US" sz="1100" dirty="0">
+                          <a:solidFill>
+                            <a:srgbClr val="000000"/>
+                          </a:solidFill>
+                        </a:rPr>
+                        <a:t>Bulletin board</a:t>
+                      </a:r>
+                      <a:endParaRPr lang="en-US" sz="1100" dirty="0"/>
+                    </a:p>
+                  </a:txBody>
+                  <a:tcPr marL="91440" marR="91440" marT="45720" marB="45720" anchor="ctr">
+                    <a:lnL w="12700" cap="flat" cmpd="sng" algn="ctr">
+                      <a:solidFill>
+                        <a:srgbClr val="CCCCCC"/>
+                      </a:solidFill>
+                      <a:prstDash val="solid"/>
+                      <a:round/>
+                      <a:headEnd type="none" w="med" len="med"/>
+                      <a:tailEnd type="none" w="med" len="med"/>
+                    </a:lnL>
+                    <a:lnR w="12700" cap="flat" cmpd="sng" algn="ctr">
+                      <a:solidFill>
+                        <a:srgbClr val="CCCCCC"/>
+                      </a:solidFill>
+                      <a:prstDash val="solid"/>
+                      <a:round/>
+                      <a:headEnd type="none" w="med" len="med"/>
+                      <a:tailEnd type="none" w="med" len="med"/>
+                    </a:lnR>
+                    <a:lnT w="12700" cap="flat" cmpd="sng" algn="ctr">
+                      <a:solidFill>
+                        <a:srgbClr val="CCCCCC"/>
+                      </a:solidFill>
+                      <a:prstDash val="solid"/>
+                      <a:round/>
+                      <a:headEnd type="none" w="med" len="med"/>
+                      <a:tailEnd type="none" w="med" len="med"/>
+                    </a:lnT>
+                    <a:lnB w="12700" cap="flat" cmpd="sng" algn="ctr">
+                      <a:solidFill>
+                        <a:srgbClr val="CCCCCC"/>
+                      </a:solidFill>
+                      <a:prstDash val="solid"/>
+                      <a:round/>
+                      <a:headEnd type="none" w="med" len="med"/>
+                      <a:tailEnd type="none" w="med" len="med"/>
+                    </a:lnB>
+                    <a:solidFill>
+                      <a:srgbClr val="FFFFFF"/>
+                    </a:solidFill>
+                  </a:tcPr>
+                </a:tc>
+                <a:tc>
+                  <a:txBody>
+                    <a:bodyPr/>
+                    <a:lstStyle/>
+                    <a:p>
+                      <a:pPr algn="l" indent="0" marL="0">
+                        <a:buNone/>
+                      </a:pPr>
+                      <a:r>
+                        <a:rPr lang="en-US" sz="1100" dirty="0">
+                          <a:solidFill>
+                            <a:srgbClr val="000000"/>
+                          </a:solidFill>
+                        </a:rPr>
+                        <a:t>Forum for questions and conversations</a:t>
+                      </a:r>
+                      <a:endParaRPr lang="en-US" sz="1100" dirty="0"/>
+                    </a:p>
+                  </a:txBody>
+                  <a:tcPr marL="91440" marR="91440" marT="45720" marB="45720" anchor="ctr">
+                    <a:lnL w="12700" cap="flat" cmpd="sng" algn="ctr">
+                      <a:solidFill>
+                        <a:srgbClr val="CCCCCC"/>
+                      </a:solidFill>
+                      <a:prstDash val="solid"/>
+                      <a:round/>
+                      <a:headEnd type="none" w="med" len="med"/>
+                      <a:tailEnd type="none" w="med" len="med"/>
+                    </a:lnL>
+                    <a:lnR w="12700" cap="flat" cmpd="sng" algn="ctr">
+                      <a:solidFill>
+                        <a:srgbClr val="CCCCCC"/>
+                      </a:solidFill>
+                      <a:prstDash val="solid"/>
+                      <a:round/>
+                      <a:headEnd type="none" w="med" len="med"/>
+                      <a:tailEnd type="none" w="med" len="med"/>
+                    </a:lnR>
+                    <a:lnT w="12700" cap="flat" cmpd="sng" algn="ctr">
+                      <a:solidFill>
+                        <a:srgbClr val="CCCCCC"/>
+                      </a:solidFill>
+                      <a:prstDash val="solid"/>
+                      <a:round/>
+                      <a:headEnd type="none" w="med" len="med"/>
+                      <a:tailEnd type="none" w="med" len="med"/>
+                    </a:lnT>
+                    <a:lnB w="12700" cap="flat" cmpd="sng" algn="ctr">
+                      <a:solidFill>
+                        <a:srgbClr val="CCCCCC"/>
+                      </a:solidFill>
+                      <a:prstDash val="solid"/>
+                      <a:round/>
+                      <a:headEnd type="none" w="med" len="med"/>
+                      <a:tailEnd type="none" w="med" len="med"/>
+                    </a:lnB>
+                    <a:solidFill>
+                      <a:srgbClr val="FFFFFF"/>
+                    </a:solidFill>
+                  </a:tcPr>
+                </a:tc>
+              </a:tr>
+              <a:tr h="417272">
+                <a:tc>
+                  <a:txBody>
+                    <a:bodyPr/>
+                    <a:lstStyle/>
+                    <a:p>
+                      <a:pPr algn="l" indent="0" marL="0">
+                        <a:buNone/>
+                      </a:pPr>
+                      <a:r>
+                        <a:rPr lang="en-US" sz="1100" b="1" dirty="0">
+                          <a:solidFill>
+                            <a:srgbClr val="000000"/>
+                          </a:solidFill>
+                        </a:rPr>
+                        <a:t>Unsubscribe</a:t>
+                      </a:r>
+                      <a:endParaRPr lang="en-US" sz="1100" dirty="0"/>
+                    </a:p>
+                  </a:txBody>
+                  <a:tcPr marL="91440" marR="91440" marT="45720" marB="45720" anchor="ctr">
+                    <a:lnL w="12700" cap="flat" cmpd="sng" algn="ctr">
+                      <a:solidFill>
+                        <a:srgbClr val="CCCCCC"/>
+                      </a:solidFill>
+                      <a:prstDash val="solid"/>
+                      <a:round/>
+                      <a:headEnd type="none" w="med" len="med"/>
+                      <a:tailEnd type="none" w="med" len="med"/>
+                    </a:lnL>
+                    <a:lnR w="12700" cap="flat" cmpd="sng" algn="ctr">
+                      <a:solidFill>
+                        <a:srgbClr val="CCCCCC"/>
+                      </a:solidFill>
+                      <a:prstDash val="solid"/>
+                      <a:round/>
+                      <a:headEnd type="none" w="med" len="med"/>
+                      <a:tailEnd type="none" w="med" len="med"/>
+                    </a:lnR>
+                    <a:lnT w="12700" cap="flat" cmpd="sng" algn="ctr">
+                      <a:solidFill>
+                        <a:srgbClr val="CCCCCC"/>
+                      </a:solidFill>
+                      <a:prstDash val="solid"/>
+                      <a:round/>
+                      <a:headEnd type="none" w="med" len="med"/>
+                      <a:tailEnd type="none" w="med" len="med"/>
+                    </a:lnT>
+                    <a:lnB w="12700" cap="flat" cmpd="sng" algn="ctr">
+                      <a:solidFill>
+                        <a:srgbClr val="CCCCCC"/>
+                      </a:solidFill>
+                      <a:prstDash val="solid"/>
+                      <a:round/>
+                      <a:headEnd type="none" w="med" len="med"/>
+                      <a:tailEnd type="none" w="med" len="med"/>
+                    </a:lnB>
+                    <a:solidFill>
+                      <a:srgbClr val="F4F1DE"/>
+                    </a:solidFill>
+                  </a:tcPr>
+                </a:tc>
+                <a:tc>
+                  <a:txBody>
+                    <a:bodyPr/>
+                    <a:lstStyle/>
+                    <a:p>
+                      <a:pPr algn="l" indent="0" marL="0">
+                        <a:buNone/>
+                      </a:pPr>
+                      <a:r>
+                        <a:rPr lang="en-US" sz="1100" dirty="0">
+                          <a:solidFill>
+                            <a:srgbClr val="000000"/>
+                          </a:solidFill>
+                        </a:rPr>
+                        <a:t>Cancel alerts</a:t>
+                      </a:r>
+                      <a:endParaRPr lang="en-US" sz="1100" dirty="0"/>
+                    </a:p>
+                  </a:txBody>
+                  <a:tcPr marL="91440" marR="91440" marT="45720" marB="45720" anchor="ctr">
+                    <a:lnL w="12700" cap="flat" cmpd="sng" algn="ctr">
+                      <a:solidFill>
+                        <a:srgbClr val="CCCCCC"/>
+                      </a:solidFill>
+                      <a:prstDash val="solid"/>
+                      <a:round/>
+                      <a:headEnd type="none" w="med" len="med"/>
+                      <a:tailEnd type="none" w="med" len="med"/>
+                    </a:lnL>
+                    <a:lnR w="12700" cap="flat" cmpd="sng" algn="ctr">
+                      <a:solidFill>
+                        <a:srgbClr val="CCCCCC"/>
+                      </a:solidFill>
+                      <a:prstDash val="solid"/>
+                      <a:round/>
+                      <a:headEnd type="none" w="med" len="med"/>
+                      <a:tailEnd type="none" w="med" len="med"/>
+                    </a:lnR>
+                    <a:lnT w="12700" cap="flat" cmpd="sng" algn="ctr">
+                      <a:solidFill>
+                        <a:srgbClr val="CCCCCC"/>
+                      </a:solidFill>
+                      <a:prstDash val="solid"/>
+                      <a:round/>
+                      <a:headEnd type="none" w="med" len="med"/>
+                      <a:tailEnd type="none" w="med" len="med"/>
+                    </a:lnT>
+                    <a:lnB w="12700" cap="flat" cmpd="sng" algn="ctr">
+                      <a:solidFill>
+                        <a:srgbClr val="CCCCCC"/>
+                      </a:solidFill>
+                      <a:prstDash val="solid"/>
+                      <a:round/>
+                      <a:headEnd type="none" w="med" len="med"/>
+                      <a:tailEnd type="none" w="med" len="med"/>
+                    </a:lnB>
+                    <a:solidFill>
+                      <a:srgbClr val="F4F1DE"/>
+                    </a:solidFill>
+                  </a:tcPr>
+                </a:tc>
+                <a:tc>
+                  <a:txBody>
+                    <a:bodyPr/>
+                    <a:lstStyle/>
+                    <a:p>
+                      <a:pPr algn="l" indent="0" marL="0">
+                        <a:buNone/>
+                      </a:pPr>
+                      <a:r>
+                        <a:rPr lang="en-US" sz="1100" dirty="0">
+                          <a:solidFill>
+                            <a:srgbClr val="000000"/>
+                          </a:solidFill>
+                        </a:rPr>
+                        <a:t>Stop getting notifications for one thread</a:t>
+                      </a:r>
+                      <a:endParaRPr lang="en-US" sz="1100" dirty="0"/>
+                    </a:p>
+                  </a:txBody>
+                  <a:tcPr marL="91440" marR="91440" marT="45720" marB="45720" anchor="ctr">
+                    <a:lnL w="12700" cap="flat" cmpd="sng" algn="ctr">
+                      <a:solidFill>
+                        <a:srgbClr val="CCCCCC"/>
+                      </a:solidFill>
+                      <a:prstDash val="solid"/>
+                      <a:round/>
+                      <a:headEnd type="none" w="med" len="med"/>
+                      <a:tailEnd type="none" w="med" len="med"/>
+                    </a:lnL>
+                    <a:lnR w="12700" cap="flat" cmpd="sng" algn="ctr">
+                      <a:solidFill>
+                        <a:srgbClr val="CCCCCC"/>
+                      </a:solidFill>
+                      <a:prstDash val="solid"/>
+                      <a:round/>
+                      <a:headEnd type="none" w="med" len="med"/>
+                      <a:tailEnd type="none" w="med" len="med"/>
+                    </a:lnR>
+                    <a:lnT w="12700" cap="flat" cmpd="sng" algn="ctr">
+                      <a:solidFill>
+                        <a:srgbClr val="CCCCCC"/>
+                      </a:solidFill>
+                      <a:prstDash val="solid"/>
+                      <a:round/>
+                      <a:headEnd type="none" w="med" len="med"/>
+                      <a:tailEnd type="none" w="med" len="med"/>
+                    </a:lnT>
+                    <a:lnB w="12700" cap="flat" cmpd="sng" algn="ctr">
+                      <a:solidFill>
+                        <a:srgbClr val="CCCCCC"/>
+                      </a:solidFill>
+                      <a:prstDash val="solid"/>
+                      <a:round/>
+                      <a:headEnd type="none" w="med" len="med"/>
+                      <a:tailEnd type="none" w="med" len="med"/>
+                    </a:lnB>
+                    <a:solidFill>
+                      <a:srgbClr val="F4F1DE"/>
+                    </a:solidFill>
+                  </a:tcPr>
+                </a:tc>
+              </a:tr>
+              <a:tr h="417272">
+                <a:tc>
+                  <a:txBody>
+                    <a:bodyPr/>
+                    <a:lstStyle/>
+                    <a:p>
+                      <a:pPr algn="l" indent="0" marL="0">
+                        <a:buNone/>
+                      </a:pPr>
+                      <a:r>
+                        <a:rPr lang="en-US" sz="1100" b="1" dirty="0">
+                          <a:solidFill>
+                            <a:srgbClr val="000000"/>
+                          </a:solidFill>
+                        </a:rPr>
+                        <a:t>Inbox (bell)</a:t>
+                      </a:r>
+                      <a:endParaRPr lang="en-US" sz="1100" dirty="0"/>
+                    </a:p>
+                  </a:txBody>
+                  <a:tcPr marL="91440" marR="91440" marT="45720" marB="45720" anchor="ctr">
+                    <a:lnL w="12700" cap="flat" cmpd="sng" algn="ctr">
+                      <a:solidFill>
+                        <a:srgbClr val="CCCCCC"/>
+                      </a:solidFill>
+                      <a:prstDash val="solid"/>
+                      <a:round/>
+                      <a:headEnd type="none" w="med" len="med"/>
+                      <a:tailEnd type="none" w="med" len="med"/>
+                    </a:lnL>
+                    <a:lnR w="12700" cap="flat" cmpd="sng" algn="ctr">
+                      <a:solidFill>
+                        <a:srgbClr val="CCCCCC"/>
+                      </a:solidFill>
+                      <a:prstDash val="solid"/>
+                      <a:round/>
+                      <a:headEnd type="none" w="med" len="med"/>
+                      <a:tailEnd type="none" w="med" len="med"/>
+                    </a:lnR>
+                    <a:lnT w="12700" cap="flat" cmpd="sng" algn="ctr">
+                      <a:solidFill>
+                        <a:srgbClr val="CCCCCC"/>
+                      </a:solidFill>
+                      <a:prstDash val="solid"/>
+                      <a:round/>
+                      <a:headEnd type="none" w="med" len="med"/>
+                      <a:tailEnd type="none" w="med" len="med"/>
+                    </a:lnT>
+                    <a:lnB w="12700" cap="flat" cmpd="sng" algn="ctr">
+                      <a:solidFill>
+                        <a:srgbClr val="CCCCCC"/>
+                      </a:solidFill>
+                      <a:prstDash val="solid"/>
+                      <a:round/>
+                      <a:headEnd type="none" w="med" len="med"/>
+                      <a:tailEnd type="none" w="med" len="med"/>
+                    </a:lnB>
+                    <a:solidFill>
+                      <a:srgbClr val="FFFFFF"/>
+                    </a:solidFill>
+                  </a:tcPr>
+                </a:tc>
+                <a:tc>
+                  <a:txBody>
+                    <a:bodyPr/>
+                    <a:lstStyle/>
+                    <a:p>
+                      <a:pPr algn="l" indent="0" marL="0">
+                        <a:buNone/>
+                      </a:pPr>
+                      <a:r>
+                        <a:rPr lang="en-US" sz="1100" dirty="0">
+                          <a:solidFill>
+                            <a:srgbClr val="000000"/>
+                          </a:solidFill>
+                        </a:rPr>
+                        <a:t>Mailbox</a:t>
+                      </a:r>
+                      <a:endParaRPr lang="en-US" sz="1100" dirty="0"/>
+                    </a:p>
+                  </a:txBody>
+                  <a:tcPr marL="91440" marR="91440" marT="45720" marB="45720" anchor="ctr">
+                    <a:lnL w="12700" cap="flat" cmpd="sng" algn="ctr">
+                      <a:solidFill>
+                        <a:srgbClr val="CCCCCC"/>
+                      </a:solidFill>
+                      <a:prstDash val="solid"/>
+                      <a:round/>
+                      <a:headEnd type="none" w="med" len="med"/>
+                      <a:tailEnd type="none" w="med" len="med"/>
+                    </a:lnL>
+                    <a:lnR w="12700" cap="flat" cmpd="sng" algn="ctr">
+                      <a:solidFill>
+                        <a:srgbClr val="CCCCCC"/>
+                      </a:solidFill>
+                      <a:prstDash val="solid"/>
+                      <a:round/>
+                      <a:headEnd type="none" w="med" len="med"/>
+                      <a:tailEnd type="none" w="med" len="med"/>
+                    </a:lnR>
+                    <a:lnT w="12700" cap="flat" cmpd="sng" algn="ctr">
+                      <a:solidFill>
+                        <a:srgbClr val="CCCCCC"/>
+                      </a:solidFill>
+                      <a:prstDash val="solid"/>
+                      <a:round/>
+                      <a:headEnd type="none" w="med" len="med"/>
+                      <a:tailEnd type="none" w="med" len="med"/>
+                    </a:lnT>
+                    <a:lnB w="12700" cap="flat" cmpd="sng" algn="ctr">
+                      <a:solidFill>
+                        <a:srgbClr val="CCCCCC"/>
+                      </a:solidFill>
+                      <a:prstDash val="solid"/>
+                      <a:round/>
+                      <a:headEnd type="none" w="med" len="med"/>
+                      <a:tailEnd type="none" w="med" len="med"/>
+                    </a:lnB>
+                    <a:solidFill>
+                      <a:srgbClr val="FFFFFF"/>
+                    </a:solidFill>
+                  </a:tcPr>
+                </a:tc>
+                <a:tc>
+                  <a:txBody>
+                    <a:bodyPr/>
+                    <a:lstStyle/>
+                    <a:p>
+                      <a:pPr algn="l" indent="0" marL="0">
+                        <a:buNone/>
+                      </a:pPr>
+                      <a:r>
+                        <a:rPr lang="en-US" sz="1100" dirty="0">
+                          <a:solidFill>
+                            <a:srgbClr val="000000"/>
+                          </a:solidFill>
+                        </a:rPr>
+                        <a:t>Where your notifications appear on GitHub</a:t>
+                      </a:r>
+                      <a:endParaRPr lang="en-US" sz="1100" dirty="0"/>
+                    </a:p>
+                  </a:txBody>
+                  <a:tcPr marL="91440" marR="91440" marT="45720" marB="45720" anchor="ctr">
+                    <a:lnL w="12700" cap="flat" cmpd="sng" algn="ctr">
+                      <a:solidFill>
+                        <a:srgbClr val="CCCCCC"/>
+                      </a:solidFill>
+                      <a:prstDash val="solid"/>
+                      <a:round/>
+                      <a:headEnd type="none" w="med" len="med"/>
+                      <a:tailEnd type="none" w="med" len="med"/>
+                    </a:lnL>
+                    <a:lnR w="12700" cap="flat" cmpd="sng" algn="ctr">
+                      <a:solidFill>
+                        <a:srgbClr val="CCCCCC"/>
+                      </a:solidFill>
+                      <a:prstDash val="solid"/>
+                      <a:round/>
+                      <a:headEnd type="none" w="med" len="med"/>
+                      <a:tailEnd type="none" w="med" len="med"/>
+                    </a:lnR>
+                    <a:lnT w="12700" cap="flat" cmpd="sng" algn="ctr">
+                      <a:solidFill>
+                        <a:srgbClr val="CCCCCC"/>
+                      </a:solidFill>
+                      <a:prstDash val="solid"/>
+                      <a:round/>
+                      <a:headEnd type="none" w="med" len="med"/>
+                      <a:tailEnd type="none" w="med" len="med"/>
+                    </a:lnT>
+                    <a:lnB w="12700" cap="flat" cmpd="sng" algn="ctr">
+                      <a:solidFill>
+                        <a:srgbClr val="CCCCCC"/>
+                      </a:solidFill>
+                      <a:prstDash val="solid"/>
+                      <a:round/>
+                      <a:headEnd type="none" w="med" len="med"/>
+                      <a:tailEnd type="none" w="med" len="med"/>
+                    </a:lnB>
+                    <a:solidFill>
+                      <a:srgbClr val="FFFFFF"/>
+                    </a:solidFill>
+                  </a:tcPr>
+                </a:tc>
+              </a:tr>
+            </a:tbl>
+          </a:graphicData>
+        </a:graphic>
+      </p:graphicFrame>
     </p:spTree>
   </p:cSld>
   <p:clrMapOvr>
